--- a/Presentations/L4-5-Group 11-First presentation.pptx
+++ b/Presentations/L4-5-Group 11-First presentation.pptx
@@ -9,8 +9,8 @@
     <p:sldId id="257" r:id="rId3"/>
     <p:sldId id="258" r:id="rId4"/>
     <p:sldId id="259" r:id="rId5"/>
-    <p:sldId id="260" r:id="rId6"/>
-    <p:sldId id="261" r:id="rId7"/>
+    <p:sldId id="261" r:id="rId6"/>
+    <p:sldId id="260" r:id="rId7"/>
   </p:sldIdLst>
   <p:sldSz cx="12192000" cy="6858000"/>
   <p:notesSz cx="6858000" cy="9144000"/>
@@ -109,6 +109,11 @@
       </a:defRPr>
     </a:lvl9pPr>
   </p:defaultTextStyle>
+  <p:extLst>
+    <p:ext uri="{EFAFB233-063F-42B5-8137-9DF3F51BA10A}">
+      <p15:sldGuideLst xmlns:p15="http://schemas.microsoft.com/office/powerpoint/2012/main"/>
+    </p:ext>
+  </p:extLst>
 </p:presentation>
 </file>
 
@@ -169,7 +174,7 @@
           <a:noFill/>
           <a:extLst>
             <a:ext uri="{909E8E84-426E-40dd-AFC4-6F175D3DCCD1}">
-              <a14:hiddenFill xmlns:a14="http://schemas.microsoft.com/office/drawing/2010/main" xmlns="">
+              <a14:hiddenFill xmlns="" xmlns:a14="http://schemas.microsoft.com/office/drawing/2010/main">
                 <a:solidFill>
                   <a:srgbClr val="FFFFFF"/>
                 </a:solidFill>
@@ -228,7 +233,7 @@
             </a:ln>
             <a:extLst>
               <a:ext uri="{91240B29-F687-4f45-9708-019B960494DF}">
-                <a14:hiddenLine xmlns:a14="http://schemas.microsoft.com/office/drawing/2010/main" xmlns="" w="9525">
+                <a14:hiddenLine xmlns="" xmlns:a14="http://schemas.microsoft.com/office/drawing/2010/main" w="9525">
                   <a:solidFill>
                     <a:srgbClr val="000000"/>
                   </a:solidFill>
@@ -318,7 +323,7 @@
             </a:ln>
             <a:extLst>
               <a:ext uri="{91240B29-F687-4f45-9708-019B960494DF}">
-                <a14:hiddenLine xmlns:a14="http://schemas.microsoft.com/office/drawing/2010/main" xmlns="" w="9525">
+                <a14:hiddenLine xmlns="" xmlns:a14="http://schemas.microsoft.com/office/drawing/2010/main" w="9525">
                   <a:solidFill>
                     <a:srgbClr val="000000"/>
                   </a:solidFill>
@@ -408,7 +413,7 @@
             </a:ln>
             <a:extLst>
               <a:ext uri="{91240B29-F687-4f45-9708-019B960494DF}">
-                <a14:hiddenLine xmlns:a14="http://schemas.microsoft.com/office/drawing/2010/main" xmlns="" w="9525">
+                <a14:hiddenLine xmlns="" xmlns:a14="http://schemas.microsoft.com/office/drawing/2010/main" w="9525">
                   <a:solidFill>
                     <a:srgbClr val="000000"/>
                   </a:solidFill>
@@ -442,7 +447,7 @@
             </a:ln>
             <a:extLst>
               <a:ext uri="{91240B29-F687-4f45-9708-019B960494DF}">
-                <a14:hiddenLine xmlns:a14="http://schemas.microsoft.com/office/drawing/2010/main" xmlns="" w="9525">
+                <a14:hiddenLine xmlns="" xmlns:a14="http://schemas.microsoft.com/office/drawing/2010/main" w="9525">
                   <a:solidFill>
                     <a:srgbClr val="000000"/>
                   </a:solidFill>
@@ -532,7 +537,7 @@
             </a:ln>
             <a:extLst>
               <a:ext uri="{91240B29-F687-4f45-9708-019B960494DF}">
-                <a14:hiddenLine xmlns:a14="http://schemas.microsoft.com/office/drawing/2010/main" xmlns="" w="9525">
+                <a14:hiddenLine xmlns="" xmlns:a14="http://schemas.microsoft.com/office/drawing/2010/main" w="9525">
                   <a:solidFill>
                     <a:srgbClr val="000000"/>
                   </a:solidFill>
@@ -594,7 +599,7 @@
             </a:ln>
             <a:extLst>
               <a:ext uri="{91240B29-F687-4f45-9708-019B960494DF}">
-                <a14:hiddenLine xmlns:a14="http://schemas.microsoft.com/office/drawing/2010/main" xmlns="" w="9525">
+                <a14:hiddenLine xmlns="" xmlns:a14="http://schemas.microsoft.com/office/drawing/2010/main" w="9525">
                   <a:solidFill>
                     <a:srgbClr val="000000"/>
                   </a:solidFill>
@@ -656,7 +661,7 @@
             </a:ln>
             <a:extLst>
               <a:ext uri="{91240B29-F687-4f45-9708-019B960494DF}">
-                <a14:hiddenLine xmlns:a14="http://schemas.microsoft.com/office/drawing/2010/main" xmlns="" w="9525">
+                <a14:hiddenLine xmlns="" xmlns:a14="http://schemas.microsoft.com/office/drawing/2010/main" w="9525">
                   <a:solidFill>
                     <a:srgbClr val="000000"/>
                   </a:solidFill>
@@ -746,7 +751,7 @@
             </a:ln>
             <a:extLst>
               <a:ext uri="{91240B29-F687-4f45-9708-019B960494DF}">
-                <a14:hiddenLine xmlns:a14="http://schemas.microsoft.com/office/drawing/2010/main" xmlns="" w="9525">
+                <a14:hiddenLine xmlns="" xmlns:a14="http://schemas.microsoft.com/office/drawing/2010/main" w="9525">
                   <a:solidFill>
                     <a:srgbClr val="000000"/>
                   </a:solidFill>
@@ -808,7 +813,7 @@
             </a:ln>
             <a:extLst>
               <a:ext uri="{91240B29-F687-4f45-9708-019B960494DF}">
-                <a14:hiddenLine xmlns:a14="http://schemas.microsoft.com/office/drawing/2010/main" xmlns="" w="9525">
+                <a14:hiddenLine xmlns="" xmlns:a14="http://schemas.microsoft.com/office/drawing/2010/main" w="9525">
                   <a:solidFill>
                     <a:srgbClr val="000000"/>
                   </a:solidFill>
@@ -870,7 +875,7 @@
             </a:ln>
             <a:extLst>
               <a:ext uri="{91240B29-F687-4f45-9708-019B960494DF}">
-                <a14:hiddenLine xmlns:a14="http://schemas.microsoft.com/office/drawing/2010/main" xmlns="" w="9525">
+                <a14:hiddenLine xmlns="" xmlns:a14="http://schemas.microsoft.com/office/drawing/2010/main" w="9525">
                   <a:solidFill>
                     <a:srgbClr val="000000"/>
                   </a:solidFill>
@@ -960,7 +965,7 @@
             </a:ln>
             <a:extLst>
               <a:ext uri="{91240B29-F687-4f45-9708-019B960494DF}">
-                <a14:hiddenLine xmlns:a14="http://schemas.microsoft.com/office/drawing/2010/main" xmlns="" w="9525">
+                <a14:hiddenLine xmlns="" xmlns:a14="http://schemas.microsoft.com/office/drawing/2010/main" w="9525">
                   <a:solidFill>
                     <a:srgbClr val="000000"/>
                   </a:solidFill>
@@ -1050,7 +1055,7 @@
             </a:ln>
             <a:extLst>
               <a:ext uri="{91240B29-F687-4f45-9708-019B960494DF}">
-                <a14:hiddenLine xmlns:a14="http://schemas.microsoft.com/office/drawing/2010/main" xmlns="" w="9525">
+                <a14:hiddenLine xmlns="" xmlns:a14="http://schemas.microsoft.com/office/drawing/2010/main" w="9525">
                   <a:solidFill>
                     <a:srgbClr val="000000"/>
                   </a:solidFill>
@@ -1112,7 +1117,7 @@
             </a:ln>
             <a:extLst>
               <a:ext uri="{91240B29-F687-4f45-9708-019B960494DF}">
-                <a14:hiddenLine xmlns:a14="http://schemas.microsoft.com/office/drawing/2010/main" xmlns="" w="9525">
+                <a14:hiddenLine xmlns="" xmlns:a14="http://schemas.microsoft.com/office/drawing/2010/main" w="9525">
                   <a:solidFill>
                     <a:srgbClr val="000000"/>
                   </a:solidFill>
@@ -1222,7 +1227,7 @@
             </a:ln>
             <a:extLst>
               <a:ext uri="{91240B29-F687-4f45-9708-019B960494DF}">
-                <a14:hiddenLine xmlns:a14="http://schemas.microsoft.com/office/drawing/2010/main" xmlns="" w="9525">
+                <a14:hiddenLine xmlns="" xmlns:a14="http://schemas.microsoft.com/office/drawing/2010/main" w="9525">
                   <a:solidFill>
                     <a:srgbClr val="000000"/>
                   </a:solidFill>
@@ -1284,7 +1289,7 @@
             </a:ln>
             <a:extLst>
               <a:ext uri="{91240B29-F687-4f45-9708-019B960494DF}">
-                <a14:hiddenLine xmlns:a14="http://schemas.microsoft.com/office/drawing/2010/main" xmlns="" w="9525">
+                <a14:hiddenLine xmlns="" xmlns:a14="http://schemas.microsoft.com/office/drawing/2010/main" w="9525">
                   <a:solidFill>
                     <a:srgbClr val="000000"/>
                   </a:solidFill>
@@ -1374,7 +1379,7 @@
             </a:ln>
             <a:extLst>
               <a:ext uri="{91240B29-F687-4f45-9708-019B960494DF}">
-                <a14:hiddenLine xmlns:a14="http://schemas.microsoft.com/office/drawing/2010/main" xmlns="" w="9525">
+                <a14:hiddenLine xmlns="" xmlns:a14="http://schemas.microsoft.com/office/drawing/2010/main" w="9525">
                   <a:solidFill>
                     <a:srgbClr val="000000"/>
                   </a:solidFill>
@@ -1464,7 +1469,7 @@
             </a:ln>
             <a:extLst>
               <a:ext uri="{91240B29-F687-4f45-9708-019B960494DF}">
-                <a14:hiddenLine xmlns:a14="http://schemas.microsoft.com/office/drawing/2010/main" xmlns="" w="9525">
+                <a14:hiddenLine xmlns="" xmlns:a14="http://schemas.microsoft.com/office/drawing/2010/main" w="9525">
                   <a:solidFill>
                     <a:srgbClr val="000000"/>
                   </a:solidFill>
@@ -1526,7 +1531,7 @@
             </a:ln>
             <a:extLst>
               <a:ext uri="{91240B29-F687-4f45-9708-019B960494DF}">
-                <a14:hiddenLine xmlns:a14="http://schemas.microsoft.com/office/drawing/2010/main" xmlns="" w="9525">
+                <a14:hiddenLine xmlns="" xmlns:a14="http://schemas.microsoft.com/office/drawing/2010/main" w="9525">
                   <a:solidFill>
                     <a:srgbClr val="000000"/>
                   </a:solidFill>
@@ -1616,7 +1621,7 @@
             </a:ln>
             <a:extLst>
               <a:ext uri="{91240B29-F687-4f45-9708-019B960494DF}">
-                <a14:hiddenLine xmlns:a14="http://schemas.microsoft.com/office/drawing/2010/main" xmlns="" w="9525">
+                <a14:hiddenLine xmlns="" xmlns:a14="http://schemas.microsoft.com/office/drawing/2010/main" w="9525">
                   <a:solidFill>
                     <a:srgbClr val="000000"/>
                   </a:solidFill>
@@ -1706,7 +1711,7 @@
             </a:ln>
             <a:extLst>
               <a:ext uri="{91240B29-F687-4f45-9708-019B960494DF}">
-                <a14:hiddenLine xmlns:a14="http://schemas.microsoft.com/office/drawing/2010/main" xmlns="" w="9525">
+                <a14:hiddenLine xmlns="" xmlns:a14="http://schemas.microsoft.com/office/drawing/2010/main" w="9525">
                   <a:solidFill>
                     <a:srgbClr val="000000"/>
                   </a:solidFill>
@@ -1762,7 +1767,7 @@
             </a:ln>
             <a:extLst>
               <a:ext uri="{91240B29-F687-4f45-9708-019B960494DF}">
-                <a14:hiddenLine xmlns:a14="http://schemas.microsoft.com/office/drawing/2010/main" xmlns="" w="9525">
+                <a14:hiddenLine xmlns="" xmlns:a14="http://schemas.microsoft.com/office/drawing/2010/main" w="9525">
                   <a:solidFill>
                     <a:srgbClr val="000000"/>
                   </a:solidFill>
@@ -1852,7 +1857,7 @@
             </a:ln>
             <a:extLst>
               <a:ext uri="{91240B29-F687-4f45-9708-019B960494DF}">
-                <a14:hiddenLine xmlns:a14="http://schemas.microsoft.com/office/drawing/2010/main" xmlns="" w="9525">
+                <a14:hiddenLine xmlns="" xmlns:a14="http://schemas.microsoft.com/office/drawing/2010/main" w="9525">
                   <a:solidFill>
                     <a:srgbClr val="000000"/>
                   </a:solidFill>
@@ -1908,7 +1913,7 @@
             </a:ln>
             <a:extLst>
               <a:ext uri="{91240B29-F687-4f45-9708-019B960494DF}">
-                <a14:hiddenLine xmlns:a14="http://schemas.microsoft.com/office/drawing/2010/main" xmlns="" w="9525">
+                <a14:hiddenLine xmlns="" xmlns:a14="http://schemas.microsoft.com/office/drawing/2010/main" w="9525">
                   <a:solidFill>
                     <a:srgbClr val="000000"/>
                   </a:solidFill>
@@ -1998,7 +2003,7 @@
             </a:ln>
             <a:extLst>
               <a:ext uri="{91240B29-F687-4f45-9708-019B960494DF}">
-                <a14:hiddenLine xmlns:a14="http://schemas.microsoft.com/office/drawing/2010/main" xmlns="" w="9525">
+                <a14:hiddenLine xmlns="" xmlns:a14="http://schemas.microsoft.com/office/drawing/2010/main" w="9525">
                   <a:solidFill>
                     <a:srgbClr val="000000"/>
                   </a:solidFill>
@@ -2066,7 +2071,7 @@
             </a:ln>
             <a:extLst>
               <a:ext uri="{91240B29-F687-4f45-9708-019B960494DF}">
-                <a14:hiddenLine xmlns:a14="http://schemas.microsoft.com/office/drawing/2010/main" xmlns="" w="9525">
+                <a14:hiddenLine xmlns="" xmlns:a14="http://schemas.microsoft.com/office/drawing/2010/main" w="9525">
                   <a:solidFill>
                     <a:srgbClr val="000000"/>
                   </a:solidFill>
@@ -2156,7 +2161,7 @@
             </a:ln>
             <a:extLst>
               <a:ext uri="{91240B29-F687-4f45-9708-019B960494DF}">
-                <a14:hiddenLine xmlns:a14="http://schemas.microsoft.com/office/drawing/2010/main" xmlns="" w="9525">
+                <a14:hiddenLine xmlns="" xmlns:a14="http://schemas.microsoft.com/office/drawing/2010/main" w="9525">
                   <a:solidFill>
                     <a:srgbClr val="000000"/>
                   </a:solidFill>
@@ -2224,7 +2229,7 @@
             </a:ln>
             <a:extLst>
               <a:ext uri="{91240B29-F687-4f45-9708-019B960494DF}">
-                <a14:hiddenLine xmlns:a14="http://schemas.microsoft.com/office/drawing/2010/main" xmlns="" w="9525">
+                <a14:hiddenLine xmlns="" xmlns:a14="http://schemas.microsoft.com/office/drawing/2010/main" w="9525">
                   <a:solidFill>
                     <a:srgbClr val="000000"/>
                   </a:solidFill>
@@ -2314,7 +2319,7 @@
             </a:ln>
             <a:extLst>
               <a:ext uri="{91240B29-F687-4f45-9708-019B960494DF}">
-                <a14:hiddenLine xmlns:a14="http://schemas.microsoft.com/office/drawing/2010/main" xmlns="" w="9525">
+                <a14:hiddenLine xmlns="" xmlns:a14="http://schemas.microsoft.com/office/drawing/2010/main" w="9525">
                   <a:solidFill>
                     <a:srgbClr val="000000"/>
                   </a:solidFill>
@@ -2348,7 +2353,7 @@
             </a:ln>
             <a:extLst>
               <a:ext uri="{91240B29-F687-4f45-9708-019B960494DF}">
-                <a14:hiddenLine xmlns:a14="http://schemas.microsoft.com/office/drawing/2010/main" xmlns="" w="9525">
+                <a14:hiddenLine xmlns="" xmlns:a14="http://schemas.microsoft.com/office/drawing/2010/main" w="9525">
                   <a:solidFill>
                     <a:srgbClr val="000000"/>
                   </a:solidFill>
@@ -2438,7 +2443,7 @@
             </a:ln>
             <a:extLst>
               <a:ext uri="{91240B29-F687-4f45-9708-019B960494DF}">
-                <a14:hiddenLine xmlns:a14="http://schemas.microsoft.com/office/drawing/2010/main" xmlns="" w="9525">
+                <a14:hiddenLine xmlns="" xmlns:a14="http://schemas.microsoft.com/office/drawing/2010/main" w="9525">
                   <a:solidFill>
                     <a:srgbClr val="000000"/>
                   </a:solidFill>
@@ -2500,7 +2505,7 @@
             </a:ln>
             <a:extLst>
               <a:ext uri="{91240B29-F687-4f45-9708-019B960494DF}">
-                <a14:hiddenLine xmlns:a14="http://schemas.microsoft.com/office/drawing/2010/main" xmlns="" w="9525">
+                <a14:hiddenLine xmlns="" xmlns:a14="http://schemas.microsoft.com/office/drawing/2010/main" w="9525">
                   <a:solidFill>
                     <a:srgbClr val="000000"/>
                   </a:solidFill>
@@ -2562,7 +2567,7 @@
             </a:ln>
             <a:extLst>
               <a:ext uri="{91240B29-F687-4f45-9708-019B960494DF}">
-                <a14:hiddenLine xmlns:a14="http://schemas.microsoft.com/office/drawing/2010/main" xmlns="" w="9525">
+                <a14:hiddenLine xmlns="" xmlns:a14="http://schemas.microsoft.com/office/drawing/2010/main" w="9525">
                   <a:solidFill>
                     <a:srgbClr val="000000"/>
                   </a:solidFill>
@@ -2652,7 +2657,7 @@
             </a:ln>
             <a:extLst>
               <a:ext uri="{91240B29-F687-4f45-9708-019B960494DF}">
-                <a14:hiddenLine xmlns:a14="http://schemas.microsoft.com/office/drawing/2010/main" xmlns="" w="9525">
+                <a14:hiddenLine xmlns="" xmlns:a14="http://schemas.microsoft.com/office/drawing/2010/main" w="9525">
                   <a:solidFill>
                     <a:srgbClr val="000000"/>
                   </a:solidFill>
@@ -2720,7 +2725,7 @@
             </a:ln>
             <a:extLst>
               <a:ext uri="{91240B29-F687-4f45-9708-019B960494DF}">
-                <a14:hiddenLine xmlns:a14="http://schemas.microsoft.com/office/drawing/2010/main" xmlns="" w="9525">
+                <a14:hiddenLine xmlns="" xmlns:a14="http://schemas.microsoft.com/office/drawing/2010/main" w="9525">
                   <a:solidFill>
                     <a:srgbClr val="000000"/>
                   </a:solidFill>
@@ -2782,7 +2787,7 @@
             </a:ln>
             <a:extLst>
               <a:ext uri="{91240B29-F687-4f45-9708-019B960494DF}">
-                <a14:hiddenLine xmlns:a14="http://schemas.microsoft.com/office/drawing/2010/main" xmlns="" w="9525">
+                <a14:hiddenLine xmlns="" xmlns:a14="http://schemas.microsoft.com/office/drawing/2010/main" w="9525">
                   <a:solidFill>
                     <a:srgbClr val="000000"/>
                   </a:solidFill>
@@ -2872,7 +2877,7 @@
             </a:ln>
             <a:extLst>
               <a:ext uri="{91240B29-F687-4f45-9708-019B960494DF}">
-                <a14:hiddenLine xmlns:a14="http://schemas.microsoft.com/office/drawing/2010/main" xmlns="" w="9525">
+                <a14:hiddenLine xmlns="" xmlns:a14="http://schemas.microsoft.com/office/drawing/2010/main" w="9525">
                   <a:solidFill>
                     <a:srgbClr val="000000"/>
                   </a:solidFill>
@@ -2934,7 +2939,7 @@
             </a:ln>
             <a:extLst>
               <a:ext uri="{91240B29-F687-4f45-9708-019B960494DF}">
-                <a14:hiddenLine xmlns:a14="http://schemas.microsoft.com/office/drawing/2010/main" xmlns="" w="9525">
+                <a14:hiddenLine xmlns="" xmlns:a14="http://schemas.microsoft.com/office/drawing/2010/main" w="9525">
                   <a:solidFill>
                     <a:srgbClr val="000000"/>
                   </a:solidFill>
@@ -3024,7 +3029,7 @@
             </a:ln>
             <a:extLst>
               <a:ext uri="{91240B29-F687-4f45-9708-019B960494DF}">
-                <a14:hiddenLine xmlns:a14="http://schemas.microsoft.com/office/drawing/2010/main" xmlns="" w="9525">
+                <a14:hiddenLine xmlns="" xmlns:a14="http://schemas.microsoft.com/office/drawing/2010/main" w="9525">
                   <a:solidFill>
                     <a:srgbClr val="000000"/>
                   </a:solidFill>
@@ -3086,7 +3091,7 @@
             </a:ln>
             <a:extLst>
               <a:ext uri="{91240B29-F687-4f45-9708-019B960494DF}">
-                <a14:hiddenLine xmlns:a14="http://schemas.microsoft.com/office/drawing/2010/main" xmlns="" w="9525">
+                <a14:hiddenLine xmlns="" xmlns:a14="http://schemas.microsoft.com/office/drawing/2010/main" w="9525">
                   <a:solidFill>
                     <a:srgbClr val="000000"/>
                   </a:solidFill>
@@ -3176,7 +3181,7 @@
             </a:ln>
             <a:extLst>
               <a:ext uri="{91240B29-F687-4f45-9708-019B960494DF}">
-                <a14:hiddenLine xmlns:a14="http://schemas.microsoft.com/office/drawing/2010/main" xmlns="" w="9525">
+                <a14:hiddenLine xmlns="" xmlns:a14="http://schemas.microsoft.com/office/drawing/2010/main" w="9525">
                   <a:solidFill>
                     <a:srgbClr val="000000"/>
                   </a:solidFill>
@@ -3210,7 +3215,7 @@
             </a:ln>
             <a:extLst>
               <a:ext uri="{91240B29-F687-4f45-9708-019B960494DF}">
-                <a14:hiddenLine xmlns:a14="http://schemas.microsoft.com/office/drawing/2010/main" xmlns="" w="9525">
+                <a14:hiddenLine xmlns="" xmlns:a14="http://schemas.microsoft.com/office/drawing/2010/main" w="9525">
                   <a:solidFill>
                     <a:srgbClr val="000000"/>
                   </a:solidFill>
@@ -3275,7 +3280,7 @@
             </a:ln>
             <a:extLst>
               <a:ext uri="{91240B29-F687-4f45-9708-019B960494DF}">
-                <a14:hiddenLine xmlns:a14="http://schemas.microsoft.com/office/drawing/2010/main" xmlns="" w="9525">
+                <a14:hiddenLine xmlns="" xmlns:a14="http://schemas.microsoft.com/office/drawing/2010/main" w="9525">
                   <a:solidFill>
                     <a:srgbClr val="000000"/>
                   </a:solidFill>
@@ -3365,7 +3370,7 @@
             </a:ln>
             <a:extLst>
               <a:ext uri="{91240B29-F687-4f45-9708-019B960494DF}">
-                <a14:hiddenLine xmlns:a14="http://schemas.microsoft.com/office/drawing/2010/main" xmlns="" w="9525">
+                <a14:hiddenLine xmlns="" xmlns:a14="http://schemas.microsoft.com/office/drawing/2010/main" w="9525">
                   <a:solidFill>
                     <a:srgbClr val="000000"/>
                   </a:solidFill>
@@ -3427,7 +3432,7 @@
             </a:ln>
             <a:extLst>
               <a:ext uri="{91240B29-F687-4f45-9708-019B960494DF}">
-                <a14:hiddenLine xmlns:a14="http://schemas.microsoft.com/office/drawing/2010/main" xmlns="" w="9525">
+                <a14:hiddenLine xmlns="" xmlns:a14="http://schemas.microsoft.com/office/drawing/2010/main" w="9525">
                   <a:solidFill>
                     <a:srgbClr val="000000"/>
                   </a:solidFill>
@@ -3517,7 +3522,7 @@
             </a:ln>
             <a:extLst>
               <a:ext uri="{91240B29-F687-4f45-9708-019B960494DF}">
-                <a14:hiddenLine xmlns:a14="http://schemas.microsoft.com/office/drawing/2010/main" xmlns="" w="9525">
+                <a14:hiddenLine xmlns="" xmlns:a14="http://schemas.microsoft.com/office/drawing/2010/main" w="9525">
                   <a:solidFill>
                     <a:srgbClr val="000000"/>
                   </a:solidFill>
@@ -3607,7 +3612,7 @@
             </a:ln>
             <a:extLst>
               <a:ext uri="{91240B29-F687-4f45-9708-019B960494DF}">
-                <a14:hiddenLine xmlns:a14="http://schemas.microsoft.com/office/drawing/2010/main" xmlns="" w="9525">
+                <a14:hiddenLine xmlns="" xmlns:a14="http://schemas.microsoft.com/office/drawing/2010/main" w="9525">
                   <a:solidFill>
                     <a:srgbClr val="000000"/>
                   </a:solidFill>
@@ -3672,7 +3677,7 @@
             </a:ln>
             <a:extLst>
               <a:ext uri="{91240B29-F687-4f45-9708-019B960494DF}">
-                <a14:hiddenLine xmlns:a14="http://schemas.microsoft.com/office/drawing/2010/main" xmlns="" w="9525">
+                <a14:hiddenLine xmlns="" xmlns:a14="http://schemas.microsoft.com/office/drawing/2010/main" w="9525">
                   <a:solidFill>
                     <a:srgbClr val="000000"/>
                   </a:solidFill>
@@ -3734,7 +3739,7 @@
             </a:ln>
             <a:extLst>
               <a:ext uri="{91240B29-F687-4f45-9708-019B960494DF}">
-                <a14:hiddenLine xmlns:a14="http://schemas.microsoft.com/office/drawing/2010/main" xmlns="" w="9525">
+                <a14:hiddenLine xmlns="" xmlns:a14="http://schemas.microsoft.com/office/drawing/2010/main" w="9525">
                   <a:solidFill>
                     <a:srgbClr val="000000"/>
                   </a:solidFill>
@@ -3824,7 +3829,7 @@
             </a:ln>
             <a:extLst>
               <a:ext uri="{91240B29-F687-4f45-9708-019B960494DF}">
-                <a14:hiddenLine xmlns:a14="http://schemas.microsoft.com/office/drawing/2010/main" xmlns="" w="9525">
+                <a14:hiddenLine xmlns="" xmlns:a14="http://schemas.microsoft.com/office/drawing/2010/main" w="9525">
                   <a:solidFill>
                     <a:srgbClr val="000000"/>
                   </a:solidFill>
@@ -3914,7 +3919,7 @@
             </a:ln>
             <a:extLst>
               <a:ext uri="{91240B29-F687-4f45-9708-019B960494DF}">
-                <a14:hiddenLine xmlns:a14="http://schemas.microsoft.com/office/drawing/2010/main" xmlns="" w="9525">
+                <a14:hiddenLine xmlns="" xmlns:a14="http://schemas.microsoft.com/office/drawing/2010/main" w="9525">
                   <a:solidFill>
                     <a:srgbClr val="000000"/>
                   </a:solidFill>
@@ -3976,7 +3981,7 @@
             </a:ln>
             <a:extLst>
               <a:ext uri="{91240B29-F687-4f45-9708-019B960494DF}">
-                <a14:hiddenLine xmlns:a14="http://schemas.microsoft.com/office/drawing/2010/main" xmlns="" w="9525">
+                <a14:hiddenLine xmlns="" xmlns:a14="http://schemas.microsoft.com/office/drawing/2010/main" w="9525">
                   <a:solidFill>
                     <a:srgbClr val="000000"/>
                   </a:solidFill>
@@ -4096,7 +4101,7 @@
             </a:ln>
             <a:extLst>
               <a:ext uri="{91240B29-F687-4f45-9708-019B960494DF}">
-                <a14:hiddenLine xmlns:a14="http://schemas.microsoft.com/office/drawing/2010/main" xmlns="" w="9525">
+                <a14:hiddenLine xmlns="" xmlns:a14="http://schemas.microsoft.com/office/drawing/2010/main" w="9525">
                   <a:solidFill>
                     <a:srgbClr val="000000"/>
                   </a:solidFill>
@@ -4164,7 +4169,7 @@
             </a:ln>
             <a:extLst>
               <a:ext uri="{91240B29-F687-4f45-9708-019B960494DF}">
-                <a14:hiddenLine xmlns:a14="http://schemas.microsoft.com/office/drawing/2010/main" xmlns="" w="9525">
+                <a14:hiddenLine xmlns="" xmlns:a14="http://schemas.microsoft.com/office/drawing/2010/main" w="9525">
                   <a:solidFill>
                     <a:srgbClr val="000000"/>
                   </a:solidFill>
@@ -4254,7 +4259,7 @@
             </a:ln>
             <a:extLst>
               <a:ext uri="{91240B29-F687-4f45-9708-019B960494DF}">
-                <a14:hiddenLine xmlns:a14="http://schemas.microsoft.com/office/drawing/2010/main" xmlns="" w="9525">
+                <a14:hiddenLine xmlns="" xmlns:a14="http://schemas.microsoft.com/office/drawing/2010/main" w="9525">
                   <a:solidFill>
                     <a:srgbClr val="000000"/>
                   </a:solidFill>
@@ -4394,7 +4399,7 @@
           <a:p>
             <a:fld id="{48A87A34-81AB-432B-8DAE-1953F412C126}" type="datetimeFigureOut">
               <a:rPr lang="en-US" dirty="0"/>
-              <a:t>10/12/2016</a:t>
+              <a:t>10/15/2016</a:t>
             </a:fld>
             <a:endParaRPr lang="en-US" dirty="0"/>
           </a:p>
@@ -4656,7 +4661,7 @@
           <a:p>
             <a:fld id="{48A87A34-81AB-432B-8DAE-1953F412C126}" type="datetimeFigureOut">
               <a:rPr lang="en-US" dirty="0"/>
-              <a:t>10/12/2016</a:t>
+              <a:t>10/15/2016</a:t>
             </a:fld>
             <a:endParaRPr lang="en-US" dirty="0"/>
           </a:p>
@@ -4847,7 +4852,7 @@
           <a:p>
             <a:fld id="{48A87A34-81AB-432B-8DAE-1953F412C126}" type="datetimeFigureOut">
               <a:rPr lang="en-US" dirty="0"/>
-              <a:t>10/12/2016</a:t>
+              <a:t>10/15/2016</a:t>
             </a:fld>
             <a:endParaRPr lang="en-US" dirty="0"/>
           </a:p>
@@ -5105,7 +5110,7 @@
           <a:p>
             <a:fld id="{48A87A34-81AB-432B-8DAE-1953F412C126}" type="datetimeFigureOut">
               <a:rPr lang="en-US" dirty="0"/>
-              <a:t>10/12/2016</a:t>
+              <a:t>10/15/2016</a:t>
             </a:fld>
             <a:endParaRPr lang="en-US" dirty="0"/>
           </a:p>
@@ -5534,7 +5539,7 @@
           <a:p>
             <a:fld id="{48A87A34-81AB-432B-8DAE-1953F412C126}" type="datetimeFigureOut">
               <a:rPr lang="en-US" dirty="0"/>
-              <a:t>10/12/2016</a:t>
+              <a:t>10/15/2016</a:t>
             </a:fld>
             <a:endParaRPr lang="en-US" dirty="0"/>
           </a:p>
@@ -6075,7 +6080,7 @@
           <a:p>
             <a:fld id="{48A87A34-81AB-432B-8DAE-1953F412C126}" type="datetimeFigureOut">
               <a:rPr lang="en-US" dirty="0"/>
-              <a:t>10/12/2016</a:t>
+              <a:t>10/15/2016</a:t>
             </a:fld>
             <a:endParaRPr lang="en-US" dirty="0"/>
           </a:p>
@@ -6790,7 +6795,7 @@
           <a:p>
             <a:fld id="{48A87A34-81AB-432B-8DAE-1953F412C126}" type="datetimeFigureOut">
               <a:rPr lang="en-US" dirty="0"/>
-              <a:t>10/12/2016</a:t>
+              <a:t>10/15/2016</a:t>
             </a:fld>
             <a:endParaRPr lang="en-US" dirty="0"/>
           </a:p>
@@ -6955,7 +6960,7 @@
           <a:p>
             <a:fld id="{48A87A34-81AB-432B-8DAE-1953F412C126}" type="datetimeFigureOut">
               <a:rPr lang="en-US" dirty="0"/>
-              <a:t>10/12/2016</a:t>
+              <a:t>10/15/2016</a:t>
             </a:fld>
             <a:endParaRPr lang="en-US" dirty="0"/>
           </a:p>
@@ -7130,7 +7135,7 @@
           <a:p>
             <a:fld id="{48A87A34-81AB-432B-8DAE-1953F412C126}" type="datetimeFigureOut">
               <a:rPr lang="en-US" dirty="0"/>
-              <a:t>10/12/2016</a:t>
+              <a:t>10/15/2016</a:t>
             </a:fld>
             <a:endParaRPr lang="en-US" dirty="0"/>
           </a:p>
@@ -7295,7 +7300,7 @@
           <a:p>
             <a:fld id="{48A87A34-81AB-432B-8DAE-1953F412C126}" type="datetimeFigureOut">
               <a:rPr lang="en-US" dirty="0"/>
-              <a:t>10/12/2016</a:t>
+              <a:t>10/15/2016</a:t>
             </a:fld>
             <a:endParaRPr lang="en-US" dirty="0"/>
           </a:p>
@@ -7540,7 +7545,7 @@
           <a:p>
             <a:fld id="{48A87A34-81AB-432B-8DAE-1953F412C126}" type="datetimeFigureOut">
               <a:rPr lang="en-US" dirty="0"/>
-              <a:t>10/12/2016</a:t>
+              <a:t>10/15/2016</a:t>
             </a:fld>
             <a:endParaRPr lang="en-US" dirty="0"/>
           </a:p>
@@ -7767,7 +7772,7 @@
           <a:p>
             <a:fld id="{48A87A34-81AB-432B-8DAE-1953F412C126}" type="datetimeFigureOut">
               <a:rPr lang="en-US" dirty="0"/>
-              <a:t>10/12/2016</a:t>
+              <a:t>10/15/2016</a:t>
             </a:fld>
             <a:endParaRPr lang="en-US" dirty="0"/>
           </a:p>
@@ -8143,7 +8148,7 @@
           <a:p>
             <a:fld id="{48A87A34-81AB-432B-8DAE-1953F412C126}" type="datetimeFigureOut">
               <a:rPr lang="en-US" dirty="0"/>
-              <a:t>10/12/2016</a:t>
+              <a:t>10/15/2016</a:t>
             </a:fld>
             <a:endParaRPr lang="en-US" dirty="0"/>
           </a:p>
@@ -8256,7 +8261,7 @@
           <a:p>
             <a:fld id="{48A87A34-81AB-432B-8DAE-1953F412C126}" type="datetimeFigureOut">
               <a:rPr lang="en-US" dirty="0"/>
-              <a:t>10/12/2016</a:t>
+              <a:t>10/15/2016</a:t>
             </a:fld>
             <a:endParaRPr lang="en-US" dirty="0"/>
           </a:p>
@@ -8346,7 +8351,7 @@
           <a:p>
             <a:fld id="{48A87A34-81AB-432B-8DAE-1953F412C126}" type="datetimeFigureOut">
               <a:rPr lang="en-US" dirty="0"/>
-              <a:t>10/12/2016</a:t>
+              <a:t>10/15/2016</a:t>
             </a:fld>
             <a:endParaRPr lang="en-US" dirty="0"/>
           </a:p>
@@ -8590,7 +8595,7 @@
           <a:p>
             <a:fld id="{48A87A34-81AB-432B-8DAE-1953F412C126}" type="datetimeFigureOut">
               <a:rPr lang="en-US" dirty="0"/>
-              <a:t>10/12/2016</a:t>
+              <a:t>10/15/2016</a:t>
             </a:fld>
             <a:endParaRPr lang="en-US" dirty="0"/>
           </a:p>
@@ -8865,7 +8870,7 @@
           <a:p>
             <a:fld id="{48A87A34-81AB-432B-8DAE-1953F412C126}" type="datetimeFigureOut">
               <a:rPr lang="en-US" dirty="0"/>
-              <a:t>10/12/2016</a:t>
+              <a:t>10/15/2016</a:t>
             </a:fld>
             <a:endParaRPr lang="en-US" dirty="0"/>
           </a:p>
@@ -8983,7 +8988,7 @@
           <a:noFill/>
           <a:extLst>
             <a:ext uri="{909E8E84-426E-40dd-AFC4-6F175D3DCCD1}">
-              <a14:hiddenFill xmlns:a14="http://schemas.microsoft.com/office/drawing/2010/main" xmlns="">
+              <a14:hiddenFill xmlns="" xmlns:a14="http://schemas.microsoft.com/office/drawing/2010/main">
                 <a:solidFill>
                   <a:srgbClr val="FFFFFF"/>
                 </a:solidFill>
@@ -9057,7 +9062,7 @@
               </a:ln>
               <a:extLst>
                 <a:ext uri="{91240B29-F687-4f45-9708-019B960494DF}">
-                  <a14:hiddenLine xmlns:a14="http://schemas.microsoft.com/office/drawing/2010/main" xmlns="" w="9525">
+                  <a14:hiddenLine xmlns="" xmlns:a14="http://schemas.microsoft.com/office/drawing/2010/main" w="9525">
                     <a:solidFill>
                       <a:srgbClr val="000000"/>
                     </a:solidFill>
@@ -9147,7 +9152,7 @@
               </a:ln>
               <a:extLst>
                 <a:ext uri="{91240B29-F687-4f45-9708-019B960494DF}">
-                  <a14:hiddenLine xmlns:a14="http://schemas.microsoft.com/office/drawing/2010/main" xmlns="" w="9525">
+                  <a14:hiddenLine xmlns="" xmlns:a14="http://schemas.microsoft.com/office/drawing/2010/main" w="9525">
                     <a:solidFill>
                       <a:srgbClr val="000000"/>
                     </a:solidFill>
@@ -9237,7 +9242,7 @@
               </a:ln>
               <a:extLst>
                 <a:ext uri="{91240B29-F687-4f45-9708-019B960494DF}">
-                  <a14:hiddenLine xmlns:a14="http://schemas.microsoft.com/office/drawing/2010/main" xmlns="" w="9525">
+                  <a14:hiddenLine xmlns="" xmlns:a14="http://schemas.microsoft.com/office/drawing/2010/main" w="9525">
                     <a:solidFill>
                       <a:srgbClr val="000000"/>
                     </a:solidFill>
@@ -9299,7 +9304,7 @@
               </a:ln>
               <a:extLst>
                 <a:ext uri="{91240B29-F687-4f45-9708-019B960494DF}">
-                  <a14:hiddenLine xmlns:a14="http://schemas.microsoft.com/office/drawing/2010/main" xmlns="" w="9525">
+                  <a14:hiddenLine xmlns="" xmlns:a14="http://schemas.microsoft.com/office/drawing/2010/main" w="9525">
                     <a:solidFill>
                       <a:srgbClr val="000000"/>
                     </a:solidFill>
@@ -9389,7 +9394,7 @@
               </a:ln>
               <a:extLst>
                 <a:ext uri="{91240B29-F687-4f45-9708-019B960494DF}">
-                  <a14:hiddenLine xmlns:a14="http://schemas.microsoft.com/office/drawing/2010/main" xmlns="" w="9525">
+                  <a14:hiddenLine xmlns="" xmlns:a14="http://schemas.microsoft.com/office/drawing/2010/main" w="9525">
                     <a:solidFill>
                       <a:srgbClr val="000000"/>
                     </a:solidFill>
@@ -9451,7 +9456,7 @@
               </a:ln>
               <a:extLst>
                 <a:ext uri="{91240B29-F687-4f45-9708-019B960494DF}">
-                  <a14:hiddenLine xmlns:a14="http://schemas.microsoft.com/office/drawing/2010/main" xmlns="" w="9525">
+                  <a14:hiddenLine xmlns="" xmlns:a14="http://schemas.microsoft.com/office/drawing/2010/main" w="9525">
                     <a:solidFill>
                       <a:srgbClr val="000000"/>
                     </a:solidFill>
@@ -9513,7 +9518,7 @@
               </a:ln>
               <a:extLst>
                 <a:ext uri="{91240B29-F687-4f45-9708-019B960494DF}">
-                  <a14:hiddenLine xmlns:a14="http://schemas.microsoft.com/office/drawing/2010/main" xmlns="" w="9525">
+                  <a14:hiddenLine xmlns="" xmlns:a14="http://schemas.microsoft.com/office/drawing/2010/main" w="9525">
                     <a:solidFill>
                       <a:srgbClr val="000000"/>
                     </a:solidFill>
@@ -9603,7 +9608,7 @@
               </a:ln>
               <a:extLst>
                 <a:ext uri="{91240B29-F687-4f45-9708-019B960494DF}">
-                  <a14:hiddenLine xmlns:a14="http://schemas.microsoft.com/office/drawing/2010/main" xmlns="" w="9525">
+                  <a14:hiddenLine xmlns="" xmlns:a14="http://schemas.microsoft.com/office/drawing/2010/main" w="9525">
                     <a:solidFill>
                       <a:srgbClr val="000000"/>
                     </a:solidFill>
@@ -9693,7 +9698,7 @@
               </a:ln>
               <a:extLst>
                 <a:ext uri="{91240B29-F687-4f45-9708-019B960494DF}">
-                  <a14:hiddenLine xmlns:a14="http://schemas.microsoft.com/office/drawing/2010/main" xmlns="" w="9525">
+                  <a14:hiddenLine xmlns="" xmlns:a14="http://schemas.microsoft.com/office/drawing/2010/main" w="9525">
                     <a:solidFill>
                       <a:srgbClr val="000000"/>
                     </a:solidFill>
@@ -9755,7 +9760,7 @@
               </a:ln>
               <a:extLst>
                 <a:ext uri="{91240B29-F687-4f45-9708-019B960494DF}">
-                  <a14:hiddenLine xmlns:a14="http://schemas.microsoft.com/office/drawing/2010/main" xmlns="" w="9525">
+                  <a14:hiddenLine xmlns="" xmlns:a14="http://schemas.microsoft.com/office/drawing/2010/main" w="9525">
                     <a:solidFill>
                       <a:srgbClr val="000000"/>
                     </a:solidFill>
@@ -9865,7 +9870,7 @@
               </a:ln>
               <a:extLst>
                 <a:ext uri="{91240B29-F687-4f45-9708-019B960494DF}">
-                  <a14:hiddenLine xmlns:a14="http://schemas.microsoft.com/office/drawing/2010/main" xmlns="" w="9525">
+                  <a14:hiddenLine xmlns="" xmlns:a14="http://schemas.microsoft.com/office/drawing/2010/main" w="9525">
                     <a:solidFill>
                       <a:srgbClr val="000000"/>
                     </a:solidFill>
@@ -9949,7 +9954,7 @@
               </a:ln>
               <a:extLst>
                 <a:ext uri="{91240B29-F687-4f45-9708-019B960494DF}">
-                  <a14:hiddenLine xmlns:a14="http://schemas.microsoft.com/office/drawing/2010/main" xmlns="" w="9525">
+                  <a14:hiddenLine xmlns="" xmlns:a14="http://schemas.microsoft.com/office/drawing/2010/main" w="9525">
                     <a:solidFill>
                       <a:srgbClr val="000000"/>
                     </a:solidFill>
@@ -10011,7 +10016,7 @@
               </a:ln>
               <a:extLst>
                 <a:ext uri="{91240B29-F687-4f45-9708-019B960494DF}">
-                  <a14:hiddenLine xmlns:a14="http://schemas.microsoft.com/office/drawing/2010/main" xmlns="" w="9525">
+                  <a14:hiddenLine xmlns="" xmlns:a14="http://schemas.microsoft.com/office/drawing/2010/main" w="9525">
                     <a:solidFill>
                       <a:srgbClr val="000000"/>
                     </a:solidFill>
@@ -10073,7 +10078,7 @@
               </a:ln>
               <a:extLst>
                 <a:ext uri="{91240B29-F687-4f45-9708-019B960494DF}">
-                  <a14:hiddenLine xmlns:a14="http://schemas.microsoft.com/office/drawing/2010/main" xmlns="" w="9525">
+                  <a14:hiddenLine xmlns="" xmlns:a14="http://schemas.microsoft.com/office/drawing/2010/main" w="9525">
                     <a:solidFill>
                       <a:srgbClr val="000000"/>
                     </a:solidFill>
@@ -10163,7 +10168,7 @@
               </a:ln>
               <a:extLst>
                 <a:ext uri="{91240B29-F687-4f45-9708-019B960494DF}">
-                  <a14:hiddenLine xmlns:a14="http://schemas.microsoft.com/office/drawing/2010/main" xmlns="" w="9525">
+                  <a14:hiddenLine xmlns="" xmlns:a14="http://schemas.microsoft.com/office/drawing/2010/main" w="9525">
                     <a:solidFill>
                       <a:srgbClr val="000000"/>
                     </a:solidFill>
@@ -10197,7 +10202,7 @@
               </a:ln>
               <a:extLst>
                 <a:ext uri="{91240B29-F687-4f45-9708-019B960494DF}">
-                  <a14:hiddenLine xmlns:a14="http://schemas.microsoft.com/office/drawing/2010/main" xmlns="" w="9525">
+                  <a14:hiddenLine xmlns="" xmlns:a14="http://schemas.microsoft.com/office/drawing/2010/main" w="9525">
                     <a:solidFill>
                       <a:srgbClr val="000000"/>
                     </a:solidFill>
@@ -10262,7 +10267,7 @@
               </a:ln>
               <a:extLst>
                 <a:ext uri="{91240B29-F687-4f45-9708-019B960494DF}">
-                  <a14:hiddenLine xmlns:a14="http://schemas.microsoft.com/office/drawing/2010/main" xmlns="" w="9525">
+                  <a14:hiddenLine xmlns="" xmlns:a14="http://schemas.microsoft.com/office/drawing/2010/main" w="9525">
                     <a:solidFill>
                       <a:srgbClr val="000000"/>
                     </a:solidFill>
@@ -10352,7 +10357,7 @@
               </a:ln>
               <a:extLst>
                 <a:ext uri="{91240B29-F687-4f45-9708-019B960494DF}">
-                  <a14:hiddenLine xmlns:a14="http://schemas.microsoft.com/office/drawing/2010/main" xmlns="" w="9525">
+                  <a14:hiddenLine xmlns="" xmlns:a14="http://schemas.microsoft.com/office/drawing/2010/main" w="9525">
                     <a:solidFill>
                       <a:srgbClr val="000000"/>
                     </a:solidFill>
@@ -10414,7 +10419,7 @@
               </a:ln>
               <a:extLst>
                 <a:ext uri="{91240B29-F687-4f45-9708-019B960494DF}">
-                  <a14:hiddenLine xmlns:a14="http://schemas.microsoft.com/office/drawing/2010/main" xmlns="" w="9525">
+                  <a14:hiddenLine xmlns="" xmlns:a14="http://schemas.microsoft.com/office/drawing/2010/main" w="9525">
                     <a:solidFill>
                       <a:srgbClr val="000000"/>
                     </a:solidFill>
@@ -10504,7 +10509,7 @@
               </a:ln>
               <a:extLst>
                 <a:ext uri="{91240B29-F687-4f45-9708-019B960494DF}">
-                  <a14:hiddenLine xmlns:a14="http://schemas.microsoft.com/office/drawing/2010/main" xmlns="" w="9525">
+                  <a14:hiddenLine xmlns="" xmlns:a14="http://schemas.microsoft.com/office/drawing/2010/main" w="9525">
                     <a:solidFill>
                       <a:srgbClr val="000000"/>
                     </a:solidFill>
@@ -10569,7 +10574,7 @@
               </a:ln>
               <a:extLst>
                 <a:ext uri="{91240B29-F687-4f45-9708-019B960494DF}">
-                  <a14:hiddenLine xmlns:a14="http://schemas.microsoft.com/office/drawing/2010/main" xmlns="" w="9525">
+                  <a14:hiddenLine xmlns="" xmlns:a14="http://schemas.microsoft.com/office/drawing/2010/main" w="9525">
                     <a:solidFill>
                       <a:srgbClr val="000000"/>
                     </a:solidFill>
@@ -10631,7 +10636,7 @@
               </a:ln>
               <a:extLst>
                 <a:ext uri="{91240B29-F687-4f45-9708-019B960494DF}">
-                  <a14:hiddenLine xmlns:a14="http://schemas.microsoft.com/office/drawing/2010/main" xmlns="" w="9525">
+                  <a14:hiddenLine xmlns="" xmlns:a14="http://schemas.microsoft.com/office/drawing/2010/main" w="9525">
                     <a:solidFill>
                       <a:srgbClr val="000000"/>
                     </a:solidFill>
@@ -10721,7 +10726,7 @@
               </a:ln>
               <a:extLst>
                 <a:ext uri="{91240B29-F687-4f45-9708-019B960494DF}">
-                  <a14:hiddenLine xmlns:a14="http://schemas.microsoft.com/office/drawing/2010/main" xmlns="" w="9525">
+                  <a14:hiddenLine xmlns="" xmlns:a14="http://schemas.microsoft.com/office/drawing/2010/main" w="9525">
                     <a:solidFill>
                       <a:srgbClr val="000000"/>
                     </a:solidFill>
@@ -10811,7 +10816,7 @@
               </a:ln>
               <a:extLst>
                 <a:ext uri="{91240B29-F687-4f45-9708-019B960494DF}">
-                  <a14:hiddenLine xmlns:a14="http://schemas.microsoft.com/office/drawing/2010/main" xmlns="" w="9525">
+                  <a14:hiddenLine xmlns="" xmlns:a14="http://schemas.microsoft.com/office/drawing/2010/main" w="9525">
                     <a:solidFill>
                       <a:srgbClr val="000000"/>
                     </a:solidFill>
@@ -10876,7 +10881,7 @@
               </a:ln>
               <a:extLst>
                 <a:ext uri="{91240B29-F687-4f45-9708-019B960494DF}">
-                  <a14:hiddenLine xmlns:a14="http://schemas.microsoft.com/office/drawing/2010/main" xmlns="" w="9525">
+                  <a14:hiddenLine xmlns="" xmlns:a14="http://schemas.microsoft.com/office/drawing/2010/main" w="9525">
                     <a:solidFill>
                       <a:srgbClr val="000000"/>
                     </a:solidFill>
@@ -10996,7 +11001,7 @@
               </a:ln>
               <a:extLst>
                 <a:ext uri="{91240B29-F687-4f45-9708-019B960494DF}">
-                  <a14:hiddenLine xmlns:a14="http://schemas.microsoft.com/office/drawing/2010/main" xmlns="" w="9525">
+                  <a14:hiddenLine xmlns="" xmlns:a14="http://schemas.microsoft.com/office/drawing/2010/main" w="9525">
                     <a:solidFill>
                       <a:srgbClr val="000000"/>
                     </a:solidFill>
@@ -11077,7 +11082,7 @@
               </a:ln>
               <a:extLst>
                 <a:ext uri="{91240B29-F687-4f45-9708-019B960494DF}">
-                  <a14:hiddenLine xmlns:a14="http://schemas.microsoft.com/office/drawing/2010/main" xmlns="" w="9525">
+                  <a14:hiddenLine xmlns="" xmlns:a14="http://schemas.microsoft.com/office/drawing/2010/main" w="9525">
                     <a:solidFill>
                       <a:srgbClr val="000000"/>
                     </a:solidFill>
@@ -11192,7 +11197,7 @@
               </a:ln>
               <a:extLst>
                 <a:ext uri="{91240B29-F687-4f45-9708-019B960494DF}">
-                  <a14:hiddenLine xmlns:a14="http://schemas.microsoft.com/office/drawing/2010/main" xmlns="" w="9525">
+                  <a14:hiddenLine xmlns="" xmlns:a14="http://schemas.microsoft.com/office/drawing/2010/main" w="9525">
                     <a:solidFill>
                       <a:srgbClr val="000000"/>
                     </a:solidFill>
@@ -11282,7 +11287,7 @@
               </a:ln>
               <a:extLst>
                 <a:ext uri="{91240B29-F687-4f45-9708-019B960494DF}">
-                  <a14:hiddenLine xmlns:a14="http://schemas.microsoft.com/office/drawing/2010/main" xmlns="" w="9525">
+                  <a14:hiddenLine xmlns="" xmlns:a14="http://schemas.microsoft.com/office/drawing/2010/main" w="9525">
                     <a:solidFill>
                       <a:srgbClr val="000000"/>
                     </a:solidFill>
@@ -11347,7 +11352,7 @@
               </a:ln>
               <a:extLst>
                 <a:ext uri="{91240B29-F687-4f45-9708-019B960494DF}">
-                  <a14:hiddenLine xmlns:a14="http://schemas.microsoft.com/office/drawing/2010/main" xmlns="" w="9525">
+                  <a14:hiddenLine xmlns="" xmlns:a14="http://schemas.microsoft.com/office/drawing/2010/main" w="9525">
                     <a:solidFill>
                       <a:srgbClr val="000000"/>
                     </a:solidFill>
@@ -11437,7 +11442,7 @@
               </a:ln>
               <a:extLst>
                 <a:ext uri="{91240B29-F687-4f45-9708-019B960494DF}">
-                  <a14:hiddenLine xmlns:a14="http://schemas.microsoft.com/office/drawing/2010/main" xmlns="" w="9525">
+                  <a14:hiddenLine xmlns="" xmlns:a14="http://schemas.microsoft.com/office/drawing/2010/main" w="9525">
                     <a:solidFill>
                       <a:srgbClr val="000000"/>
                     </a:solidFill>
@@ -11505,7 +11510,7 @@
               </a:ln>
               <a:extLst>
                 <a:ext uri="{91240B29-F687-4f45-9708-019B960494DF}">
-                  <a14:hiddenLine xmlns:a14="http://schemas.microsoft.com/office/drawing/2010/main" xmlns="" w="9525">
+                  <a14:hiddenLine xmlns="" xmlns:a14="http://schemas.microsoft.com/office/drawing/2010/main" w="9525">
                     <a:solidFill>
                       <a:srgbClr val="000000"/>
                     </a:solidFill>
@@ -11595,7 +11600,7 @@
               </a:ln>
               <a:extLst>
                 <a:ext uri="{91240B29-F687-4f45-9708-019B960494DF}">
-                  <a14:hiddenLine xmlns:a14="http://schemas.microsoft.com/office/drawing/2010/main" xmlns="" w="9525">
+                  <a14:hiddenLine xmlns="" xmlns:a14="http://schemas.microsoft.com/office/drawing/2010/main" w="9525">
                     <a:solidFill>
                       <a:srgbClr val="000000"/>
                     </a:solidFill>
@@ -11663,7 +11668,7 @@
               </a:ln>
               <a:extLst>
                 <a:ext uri="{91240B29-F687-4f45-9708-019B960494DF}">
-                  <a14:hiddenLine xmlns:a14="http://schemas.microsoft.com/office/drawing/2010/main" xmlns="" w="9525">
+                  <a14:hiddenLine xmlns="" xmlns:a14="http://schemas.microsoft.com/office/drawing/2010/main" w="9525">
                     <a:solidFill>
                       <a:srgbClr val="000000"/>
                     </a:solidFill>
@@ -11753,7 +11758,7 @@
               </a:ln>
               <a:extLst>
                 <a:ext uri="{91240B29-F687-4f45-9708-019B960494DF}">
-                  <a14:hiddenLine xmlns:a14="http://schemas.microsoft.com/office/drawing/2010/main" xmlns="" w="9525">
+                  <a14:hiddenLine xmlns="" xmlns:a14="http://schemas.microsoft.com/office/drawing/2010/main" w="9525">
                     <a:solidFill>
                       <a:srgbClr val="000000"/>
                     </a:solidFill>
@@ -11787,7 +11792,7 @@
               </a:ln>
               <a:extLst>
                 <a:ext uri="{91240B29-F687-4f45-9708-019B960494DF}">
-                  <a14:hiddenLine xmlns:a14="http://schemas.microsoft.com/office/drawing/2010/main" xmlns="" w="9525">
+                  <a14:hiddenLine xmlns="" xmlns:a14="http://schemas.microsoft.com/office/drawing/2010/main" w="9525">
                     <a:solidFill>
                       <a:srgbClr val="000000"/>
                     </a:solidFill>
@@ -11928,7 +11933,7 @@
             <a:fld id="{48A87A34-81AB-432B-8DAE-1953F412C126}" type="datetimeFigureOut">
               <a:rPr lang="en-US" dirty="0"/>
               <a:pPr/>
-              <a:t>10/12/2016</a:t>
+              <a:t>10/15/2016</a:t>
             </a:fld>
             <a:endParaRPr lang="en-US" dirty="0"/>
           </a:p>
@@ -12582,22 +12587,67 @@
           </a:p>
         </p:txBody>
       </p:sp>
-      <p:sp>
-        <p:nvSpPr>
-          <p:cNvPr id="3" name="Content Placeholder 2"/>
-          <p:cNvSpPr>
-            <a:spLocks noGrp="1"/>
-          </p:cNvSpPr>
+      <p:pic>
+        <p:nvPicPr>
+          <p:cNvPr id="4" name="Content Placeholder 3"/>
+          <p:cNvPicPr>
+            <a:picLocks noGrp="1" noChangeAspect="1"/>
+          </p:cNvPicPr>
           <p:nvPr>
             <p:ph idx="1"/>
           </p:nvPr>
+        </p:nvPicPr>
+        <p:blipFill>
+          <a:blip r:embed="rId2">
+            <a:extLst>
+              <a:ext uri="{28A0092B-C50C-407E-A947-70E740481C1C}">
+                <a14:useLocalDpi xmlns:a14="http://schemas.microsoft.com/office/drawing/2010/main" val="0"/>
+              </a:ext>
+            </a:extLst>
+          </a:blip>
+          <a:stretch>
+            <a:fillRect/>
+          </a:stretch>
+        </p:blipFill>
+        <p:spPr>
+          <a:xfrm>
+            <a:off x="5965744" y="1045402"/>
+            <a:ext cx="5165676" cy="5165676"/>
+          </a:xfrm>
+        </p:spPr>
+      </p:pic>
+      <p:sp>
+        <p:nvSpPr>
+          <p:cNvPr id="5" name="TextBox 4"/>
+          <p:cNvSpPr txBox="1"/>
+          <p:nvPr/>
         </p:nvSpPr>
-        <p:spPr/>
+        <p:spPr>
+          <a:xfrm>
+            <a:off x="1141413" y="1772816"/>
+            <a:ext cx="3766489" cy="1200329"/>
+          </a:xfrm>
+          <a:prstGeom prst="rect">
+            <a:avLst/>
+          </a:prstGeom>
+          <a:noFill/>
+        </p:spPr>
         <p:txBody>
-          <a:bodyPr/>
+          <a:bodyPr wrap="square" rtlCol="0">
+            <a:spAutoFit/>
+          </a:bodyPr>
           <a:lstStyle/>
           <a:p>
-            <a:endParaRPr lang="en-GB"/>
+            <a:r>
+              <a:rPr lang="en-GB" dirty="0" smtClean="0"/>
+              <a:t>“The subtle but persistent feeling of being out of place.”</a:t>
+            </a:r>
+          </a:p>
+          <a:p>
+            <a:endParaRPr lang="en-GB" dirty="0"/>
+          </a:p>
+          <a:p>
+            <a:endParaRPr lang="en-GB" dirty="0" smtClean="0"/>
           </a:p>
         </p:txBody>
       </p:sp>
@@ -12720,35 +12770,122 @@
           <a:p>
             <a:r>
               <a:rPr lang="en-GB" dirty="0" smtClean="0"/>
-              <a:t>Core mechanics, dynamics and aesthetics</a:t>
+              <a:t>UI</a:t>
             </a:r>
             <a:endParaRPr lang="en-GB" dirty="0"/>
           </a:p>
         </p:txBody>
       </p:sp>
-      <p:sp>
-        <p:nvSpPr>
-          <p:cNvPr id="3" name="Content Placeholder 2"/>
-          <p:cNvSpPr>
-            <a:spLocks noGrp="1"/>
-          </p:cNvSpPr>
+      <p:pic>
+        <p:nvPicPr>
+          <p:cNvPr id="1026" name="Picture 2" descr="http://www.amitt.com/images/projects/farmville/1.jpg"/>
+          <p:cNvPicPr>
+            <a:picLocks noGrp="1" noChangeAspect="1" noChangeArrowheads="1"/>
+          </p:cNvPicPr>
           <p:nvPr>
             <p:ph idx="1"/>
           </p:nvPr>
+        </p:nvPicPr>
+        <p:blipFill>
+          <a:blip r:embed="rId2">
+            <a:extLst>
+              <a:ext uri="{28A0092B-C50C-407E-A947-70E740481C1C}">
+                <a14:useLocalDpi xmlns:a14="http://schemas.microsoft.com/office/drawing/2010/main" val="0"/>
+              </a:ext>
+            </a:extLst>
+          </a:blip>
+          <a:srcRect/>
+          <a:stretch>
+            <a:fillRect/>
+          </a:stretch>
+        </p:blipFill>
+        <p:spPr bwMode="auto">
+          <a:xfrm>
+            <a:off x="6939026" y="2016223"/>
+            <a:ext cx="4108385" cy="3541712"/>
+          </a:xfrm>
+          <a:prstGeom prst="rect">
+            <a:avLst/>
+          </a:prstGeom>
+          <a:noFill/>
+          <a:extLst>
+            <a:ext uri="{909E8E84-426E-40DD-AFC4-6F175D3DCCD1}">
+              <a14:hiddenFill xmlns:a14="http://schemas.microsoft.com/office/drawing/2010/main">
+                <a:solidFill>
+                  <a:srgbClr val="FFFFFF"/>
+                </a:solidFill>
+              </a14:hiddenFill>
+            </a:ext>
+          </a:extLst>
+        </p:spPr>
+      </p:pic>
+      <p:sp>
+        <p:nvSpPr>
+          <p:cNvPr id="4" name="TextBox 3"/>
+          <p:cNvSpPr txBox="1"/>
+          <p:nvPr/>
         </p:nvSpPr>
-        <p:spPr/>
+        <p:spPr>
+          <a:xfrm>
+            <a:off x="1212980" y="1940767"/>
+            <a:ext cx="4142791" cy="1200329"/>
+          </a:xfrm>
+          <a:prstGeom prst="rect">
+            <a:avLst/>
+          </a:prstGeom>
+          <a:noFill/>
+        </p:spPr>
         <p:txBody>
-          <a:bodyPr/>
+          <a:bodyPr wrap="square" rtlCol="0">
+            <a:spAutoFit/>
+          </a:bodyPr>
           <a:lstStyle/>
           <a:p>
-            <a:endParaRPr lang="en-GB"/>
+            <a:pPr marL="285750" indent="-285750">
+              <a:buFont typeface="Arial" panose="020B0604020202020204" pitchFamily="34" charset="0"/>
+              <a:buChar char="•"/>
+            </a:pPr>
+            <a:r>
+              <a:rPr lang="en-GB" dirty="0" smtClean="0"/>
+              <a:t>RTS Camera</a:t>
+            </a:r>
+          </a:p>
+          <a:p>
+            <a:pPr marL="285750" indent="-285750">
+              <a:buFont typeface="Arial" panose="020B0604020202020204" pitchFamily="34" charset="0"/>
+              <a:buChar char="•"/>
+            </a:pPr>
+            <a:r>
+              <a:rPr lang="en-GB" dirty="0" smtClean="0"/>
+              <a:t>Inventory space </a:t>
+            </a:r>
+          </a:p>
+          <a:p>
+            <a:pPr marL="285750" indent="-285750">
+              <a:buFont typeface="Arial" panose="020B0604020202020204" pitchFamily="34" charset="0"/>
+              <a:buChar char="•"/>
+            </a:pPr>
+            <a:r>
+              <a:rPr lang="en-GB" dirty="0" smtClean="0"/>
+              <a:t>Timer (when doing puzzles)</a:t>
+            </a:r>
+          </a:p>
+          <a:p>
+            <a:pPr marL="285750" indent="-285750">
+              <a:buFont typeface="Arial" panose="020B0604020202020204" pitchFamily="34" charset="0"/>
+              <a:buChar char="•"/>
+            </a:pPr>
+            <a:r>
+              <a:rPr lang="en-GB" dirty="0" smtClean="0"/>
+              <a:t>Hint box</a:t>
+            </a:r>
           </a:p>
         </p:txBody>
       </p:sp>
     </p:spTree>
     <p:extLst>
       <p:ext uri="{BB962C8B-B14F-4D97-AF65-F5344CB8AC3E}">
-        <p14:creationId xmlns:p14="http://schemas.microsoft.com/office/powerpoint/2010/main" val="3168928715"/>
+        <p14:creationId xmlns:p14="http://schemas.microsoft.com/office/powerpoint/2010/main" val="2254293586"/>
       </p:ext>
     </p:extLst>
   </p:cSld>
@@ -12790,33 +12927,307 @@
           <a:bodyPr/>
           <a:lstStyle/>
           <a:p>
-            <a:endParaRPr lang="en-GB"/>
+            <a:r>
+              <a:rPr lang="en-GB" dirty="0" smtClean="0"/>
+              <a:t>Core mechanics, dynamics and aesthetics</a:t>
+            </a:r>
+            <a:endParaRPr lang="en-GB" dirty="0"/>
           </a:p>
         </p:txBody>
       </p:sp>
+      <p:graphicFrame>
+        <p:nvGraphicFramePr>
+          <p:cNvPr id="5" name="Table 4"/>
+          <p:cNvGraphicFramePr>
+            <a:graphicFrameLocks noGrp="1"/>
+          </p:cNvGraphicFramePr>
+          <p:nvPr>
+            <p:extLst>
+              <p:ext uri="{D42A27DB-BD31-4B8C-83A1-F6EECF244321}">
+                <p14:modId xmlns:p14="http://schemas.microsoft.com/office/powerpoint/2010/main" val="4243564736"/>
+              </p:ext>
+            </p:extLst>
+          </p:nvPr>
+        </p:nvGraphicFramePr>
+        <p:xfrm>
+          <a:off x="1399593" y="2097089"/>
+          <a:ext cx="8758818" cy="2599707"/>
+        </p:xfrm>
+        <a:graphic>
+          <a:graphicData uri="http://schemas.openxmlformats.org/drawingml/2006/table">
+            <a:tbl>
+              <a:tblPr firstRow="1" bandRow="1">
+                <a:tableStyleId>{5C22544A-7EE6-4342-B048-85BDC9FD1C3A}</a:tableStyleId>
+              </a:tblPr>
+              <a:tblGrid>
+                <a:gridCol w="2919606"/>
+                <a:gridCol w="2919606"/>
+                <a:gridCol w="2919606"/>
+              </a:tblGrid>
+              <a:tr h="439849">
+                <a:tc>
+                  <a:txBody>
+                    <a:bodyPr/>
+                    <a:lstStyle/>
+                    <a:p>
+                      <a:r>
+                        <a:rPr lang="en-GB" dirty="0" smtClean="0"/>
+                        <a:t>Mechanics</a:t>
+                      </a:r>
+                      <a:endParaRPr lang="en-GB" dirty="0"/>
+                    </a:p>
+                  </a:txBody>
+                  <a:tcPr/>
+                </a:tc>
+                <a:tc>
+                  <a:txBody>
+                    <a:bodyPr/>
+                    <a:lstStyle/>
+                    <a:p>
+                      <a:r>
+                        <a:rPr lang="en-GB" dirty="0" smtClean="0"/>
+                        <a:t>Dynamics</a:t>
+                      </a:r>
+                      <a:endParaRPr lang="en-GB" dirty="0"/>
+                    </a:p>
+                  </a:txBody>
+                  <a:tcPr/>
+                </a:tc>
+                <a:tc>
+                  <a:txBody>
+                    <a:bodyPr/>
+                    <a:lstStyle/>
+                    <a:p>
+                      <a:r>
+                        <a:rPr lang="en-GB" dirty="0" smtClean="0"/>
+                        <a:t>Aesthetics</a:t>
+                      </a:r>
+                      <a:endParaRPr lang="en-GB" dirty="0"/>
+                    </a:p>
+                  </a:txBody>
+                  <a:tcPr/>
+                </a:tc>
+              </a:tr>
+              <a:tr h="439849">
+                <a:tc>
+                  <a:txBody>
+                    <a:bodyPr/>
+                    <a:lstStyle/>
+                    <a:p>
+                      <a:r>
+                        <a:rPr lang="en-GB" dirty="0" smtClean="0"/>
+                        <a:t>Seeking</a:t>
+                      </a:r>
+                      <a:endParaRPr lang="en-GB" dirty="0"/>
+                    </a:p>
+                  </a:txBody>
+                  <a:tcPr/>
+                </a:tc>
+                <a:tc>
+                  <a:txBody>
+                    <a:bodyPr/>
+                    <a:lstStyle/>
+                    <a:p>
+                      <a:r>
+                        <a:rPr lang="en-GB" dirty="0" smtClean="0"/>
+                        <a:t>Progression dynamic</a:t>
+                      </a:r>
+                      <a:r>
+                        <a:rPr lang="en-GB" baseline="0" dirty="0" smtClean="0"/>
+                        <a:t> </a:t>
+                      </a:r>
+                      <a:endParaRPr lang="en-GB" dirty="0"/>
+                    </a:p>
+                  </a:txBody>
+                  <a:tcPr/>
+                </a:tc>
+                <a:tc>
+                  <a:txBody>
+                    <a:bodyPr/>
+                    <a:lstStyle/>
+                    <a:p>
+                      <a:r>
+                        <a:rPr lang="en-GB" dirty="0" smtClean="0"/>
+                        <a:t>Satisfaction of solving tough puzzles</a:t>
+                      </a:r>
+                      <a:endParaRPr lang="en-GB" dirty="0"/>
+                    </a:p>
+                  </a:txBody>
+                  <a:tcPr/>
+                </a:tc>
+              </a:tr>
+              <a:tr h="439849">
+                <a:tc>
+                  <a:txBody>
+                    <a:bodyPr/>
+                    <a:lstStyle/>
+                    <a:p>
+                      <a:r>
+                        <a:rPr lang="en-GB" dirty="0" smtClean="0"/>
+                        <a:t>Rewards</a:t>
+                      </a:r>
+                      <a:endParaRPr lang="en-GB" dirty="0"/>
+                    </a:p>
+                  </a:txBody>
+                  <a:tcPr/>
+                </a:tc>
+                <a:tc>
+                  <a:txBody>
+                    <a:bodyPr/>
+                    <a:lstStyle/>
+                    <a:p>
+                      <a:r>
+                        <a:rPr lang="en-GB" dirty="0" smtClean="0"/>
+                        <a:t>Scarcity (Upgrades</a:t>
+                      </a:r>
+                      <a:r>
+                        <a:rPr lang="en-GB" baseline="0" dirty="0" smtClean="0"/>
+                        <a:t> become a necessity later on)</a:t>
+                      </a:r>
+                      <a:endParaRPr lang="en-GB" dirty="0"/>
+                    </a:p>
+                  </a:txBody>
+                  <a:tcPr/>
+                </a:tc>
+                <a:tc>
+                  <a:txBody>
+                    <a:bodyPr/>
+                    <a:lstStyle/>
+                    <a:p>
+                      <a:r>
+                        <a:rPr lang="en-GB" dirty="0" smtClean="0"/>
+                        <a:t>Discovery</a:t>
+                      </a:r>
+                      <a:endParaRPr lang="en-GB" dirty="0"/>
+                    </a:p>
+                  </a:txBody>
+                  <a:tcPr/>
+                </a:tc>
+              </a:tr>
+              <a:tr h="439849">
+                <a:tc>
+                  <a:txBody>
+                    <a:bodyPr/>
+                    <a:lstStyle/>
+                    <a:p>
+                      <a:r>
+                        <a:rPr lang="en-GB" dirty="0" smtClean="0"/>
+                        <a:t>Levels</a:t>
+                      </a:r>
+                      <a:endParaRPr lang="en-GB" dirty="0"/>
+                    </a:p>
+                  </a:txBody>
+                  <a:tcPr/>
+                </a:tc>
+                <a:tc>
+                  <a:txBody>
+                    <a:bodyPr/>
+                    <a:lstStyle/>
+                    <a:p>
+                      <a:r>
+                        <a:rPr lang="en-GB" dirty="0" smtClean="0"/>
+                        <a:t>Collection</a:t>
+                      </a:r>
+                      <a:endParaRPr lang="en-GB" dirty="0"/>
+                    </a:p>
+                  </a:txBody>
+                  <a:tcPr/>
+                </a:tc>
+                <a:tc>
+                  <a:txBody>
+                    <a:bodyPr/>
+                    <a:lstStyle/>
+                    <a:p>
+                      <a:r>
+                        <a:rPr lang="en-GB" dirty="0" smtClean="0"/>
+                        <a:t>Challenge</a:t>
+                      </a:r>
+                      <a:endParaRPr lang="en-GB" dirty="0"/>
+                    </a:p>
+                  </a:txBody>
+                  <a:tcPr/>
+                </a:tc>
+              </a:tr>
+              <a:tr h="439849">
+                <a:tc>
+                  <a:txBody>
+                    <a:bodyPr/>
+                    <a:lstStyle/>
+                    <a:p>
+                      <a:r>
+                        <a:rPr lang="en-GB" dirty="0" smtClean="0"/>
+                        <a:t>Countdown</a:t>
+                      </a:r>
+                      <a:endParaRPr lang="en-GB" dirty="0"/>
+                    </a:p>
+                  </a:txBody>
+                  <a:tcPr/>
+                </a:tc>
+                <a:tc>
+                  <a:txBody>
+                    <a:bodyPr/>
+                    <a:lstStyle/>
+                    <a:p>
+                      <a:endParaRPr lang="en-GB" dirty="0"/>
+                    </a:p>
+                  </a:txBody>
+                  <a:tcPr/>
+                </a:tc>
+                <a:tc>
+                  <a:txBody>
+                    <a:bodyPr/>
+                    <a:lstStyle/>
+                    <a:p>
+                      <a:endParaRPr lang="en-GB" dirty="0"/>
+                    </a:p>
+                  </a:txBody>
+                  <a:tcPr/>
+                </a:tc>
+              </a:tr>
+            </a:tbl>
+          </a:graphicData>
+        </a:graphic>
+      </p:graphicFrame>
       <p:sp>
         <p:nvSpPr>
-          <p:cNvPr id="3" name="Content Placeholder 2"/>
-          <p:cNvSpPr>
-            <a:spLocks noGrp="1"/>
-          </p:cNvSpPr>
-          <p:nvPr>
-            <p:ph idx="1"/>
-          </p:nvPr>
+          <p:cNvPr id="7" name="TextBox 6"/>
+          <p:cNvSpPr txBox="1"/>
+          <p:nvPr/>
         </p:nvSpPr>
-        <p:spPr/>
+        <p:spPr>
+          <a:xfrm>
+            <a:off x="1399593" y="4973217"/>
+            <a:ext cx="8752114" cy="646331"/>
+          </a:xfrm>
+          <a:prstGeom prst="rect">
+            <a:avLst/>
+          </a:prstGeom>
+          <a:noFill/>
+        </p:spPr>
         <p:txBody>
-          <a:bodyPr/>
+          <a:bodyPr wrap="square" rtlCol="0">
+            <a:spAutoFit/>
+          </a:bodyPr>
           <a:lstStyle/>
           <a:p>
-            <a:endParaRPr lang="en-GB"/>
+            <a:r>
+              <a:rPr lang="en-GB" dirty="0" smtClean="0"/>
+              <a:t>For the player experience, we’re aiming for Hard fun. </a:t>
+            </a:r>
+          </a:p>
+          <a:p>
+            <a:r>
+              <a:rPr lang="en-GB" dirty="0" smtClean="0"/>
+              <a:t>I.e. Meaningful challenges, strategies and puzzles.</a:t>
+            </a:r>
+            <a:endParaRPr lang="en-GB" dirty="0"/>
           </a:p>
         </p:txBody>
       </p:sp>
     </p:spTree>
     <p:extLst>
       <p:ext uri="{BB962C8B-B14F-4D97-AF65-F5344CB8AC3E}">
-        <p14:creationId xmlns:p14="http://schemas.microsoft.com/office/powerpoint/2010/main" val="2254293586"/>
+        <p14:creationId xmlns:p14="http://schemas.microsoft.com/office/powerpoint/2010/main" val="3168928715"/>
       </p:ext>
     </p:extLst>
   </p:cSld>

--- a/Presentations/L4-5-Group 11-First presentation.pptx
+++ b/Presentations/L4-5-Group 11-First presentation.pptx
@@ -11,6 +11,7 @@
     <p:sldId id="259" r:id="rId5"/>
     <p:sldId id="261" r:id="rId6"/>
     <p:sldId id="260" r:id="rId7"/>
+    <p:sldId id="262" r:id="rId8"/>
   </p:sldIdLst>
   <p:sldSz cx="12192000" cy="6858000"/>
   <p:notesSz cx="6858000" cy="9144000"/>
@@ -174,7 +175,7 @@
           <a:noFill/>
           <a:extLst>
             <a:ext uri="{909E8E84-426E-40dd-AFC4-6F175D3DCCD1}">
-              <a14:hiddenFill xmlns="" xmlns:a14="http://schemas.microsoft.com/office/drawing/2010/main">
+              <a14:hiddenFill xmlns:a14="http://schemas.microsoft.com/office/drawing/2010/main" xmlns="">
                 <a:solidFill>
                   <a:srgbClr val="FFFFFF"/>
                 </a:solidFill>
@@ -233,7 +234,7 @@
             </a:ln>
             <a:extLst>
               <a:ext uri="{91240B29-F687-4f45-9708-019B960494DF}">
-                <a14:hiddenLine xmlns="" xmlns:a14="http://schemas.microsoft.com/office/drawing/2010/main" w="9525">
+                <a14:hiddenLine xmlns:a14="http://schemas.microsoft.com/office/drawing/2010/main" xmlns="" w="9525">
                   <a:solidFill>
                     <a:srgbClr val="000000"/>
                   </a:solidFill>
@@ -323,7 +324,7 @@
             </a:ln>
             <a:extLst>
               <a:ext uri="{91240B29-F687-4f45-9708-019B960494DF}">
-                <a14:hiddenLine xmlns="" xmlns:a14="http://schemas.microsoft.com/office/drawing/2010/main" w="9525">
+                <a14:hiddenLine xmlns:a14="http://schemas.microsoft.com/office/drawing/2010/main" xmlns="" w="9525">
                   <a:solidFill>
                     <a:srgbClr val="000000"/>
                   </a:solidFill>
@@ -413,7 +414,7 @@
             </a:ln>
             <a:extLst>
               <a:ext uri="{91240B29-F687-4f45-9708-019B960494DF}">
-                <a14:hiddenLine xmlns="" xmlns:a14="http://schemas.microsoft.com/office/drawing/2010/main" w="9525">
+                <a14:hiddenLine xmlns:a14="http://schemas.microsoft.com/office/drawing/2010/main" xmlns="" w="9525">
                   <a:solidFill>
                     <a:srgbClr val="000000"/>
                   </a:solidFill>
@@ -447,7 +448,7 @@
             </a:ln>
             <a:extLst>
               <a:ext uri="{91240B29-F687-4f45-9708-019B960494DF}">
-                <a14:hiddenLine xmlns="" xmlns:a14="http://schemas.microsoft.com/office/drawing/2010/main" w="9525">
+                <a14:hiddenLine xmlns:a14="http://schemas.microsoft.com/office/drawing/2010/main" xmlns="" w="9525">
                   <a:solidFill>
                     <a:srgbClr val="000000"/>
                   </a:solidFill>
@@ -537,7 +538,7 @@
             </a:ln>
             <a:extLst>
               <a:ext uri="{91240B29-F687-4f45-9708-019B960494DF}">
-                <a14:hiddenLine xmlns="" xmlns:a14="http://schemas.microsoft.com/office/drawing/2010/main" w="9525">
+                <a14:hiddenLine xmlns:a14="http://schemas.microsoft.com/office/drawing/2010/main" xmlns="" w="9525">
                   <a:solidFill>
                     <a:srgbClr val="000000"/>
                   </a:solidFill>
@@ -599,7 +600,7 @@
             </a:ln>
             <a:extLst>
               <a:ext uri="{91240B29-F687-4f45-9708-019B960494DF}">
-                <a14:hiddenLine xmlns="" xmlns:a14="http://schemas.microsoft.com/office/drawing/2010/main" w="9525">
+                <a14:hiddenLine xmlns:a14="http://schemas.microsoft.com/office/drawing/2010/main" xmlns="" w="9525">
                   <a:solidFill>
                     <a:srgbClr val="000000"/>
                   </a:solidFill>
@@ -661,7 +662,7 @@
             </a:ln>
             <a:extLst>
               <a:ext uri="{91240B29-F687-4f45-9708-019B960494DF}">
-                <a14:hiddenLine xmlns="" xmlns:a14="http://schemas.microsoft.com/office/drawing/2010/main" w="9525">
+                <a14:hiddenLine xmlns:a14="http://schemas.microsoft.com/office/drawing/2010/main" xmlns="" w="9525">
                   <a:solidFill>
                     <a:srgbClr val="000000"/>
                   </a:solidFill>
@@ -751,7 +752,7 @@
             </a:ln>
             <a:extLst>
               <a:ext uri="{91240B29-F687-4f45-9708-019B960494DF}">
-                <a14:hiddenLine xmlns="" xmlns:a14="http://schemas.microsoft.com/office/drawing/2010/main" w="9525">
+                <a14:hiddenLine xmlns:a14="http://schemas.microsoft.com/office/drawing/2010/main" xmlns="" w="9525">
                   <a:solidFill>
                     <a:srgbClr val="000000"/>
                   </a:solidFill>
@@ -813,7 +814,7 @@
             </a:ln>
             <a:extLst>
               <a:ext uri="{91240B29-F687-4f45-9708-019B960494DF}">
-                <a14:hiddenLine xmlns="" xmlns:a14="http://schemas.microsoft.com/office/drawing/2010/main" w="9525">
+                <a14:hiddenLine xmlns:a14="http://schemas.microsoft.com/office/drawing/2010/main" xmlns="" w="9525">
                   <a:solidFill>
                     <a:srgbClr val="000000"/>
                   </a:solidFill>
@@ -875,7 +876,7 @@
             </a:ln>
             <a:extLst>
               <a:ext uri="{91240B29-F687-4f45-9708-019B960494DF}">
-                <a14:hiddenLine xmlns="" xmlns:a14="http://schemas.microsoft.com/office/drawing/2010/main" w="9525">
+                <a14:hiddenLine xmlns:a14="http://schemas.microsoft.com/office/drawing/2010/main" xmlns="" w="9525">
                   <a:solidFill>
                     <a:srgbClr val="000000"/>
                   </a:solidFill>
@@ -965,7 +966,7 @@
             </a:ln>
             <a:extLst>
               <a:ext uri="{91240B29-F687-4f45-9708-019B960494DF}">
-                <a14:hiddenLine xmlns="" xmlns:a14="http://schemas.microsoft.com/office/drawing/2010/main" w="9525">
+                <a14:hiddenLine xmlns:a14="http://schemas.microsoft.com/office/drawing/2010/main" xmlns="" w="9525">
                   <a:solidFill>
                     <a:srgbClr val="000000"/>
                   </a:solidFill>
@@ -1055,7 +1056,7 @@
             </a:ln>
             <a:extLst>
               <a:ext uri="{91240B29-F687-4f45-9708-019B960494DF}">
-                <a14:hiddenLine xmlns="" xmlns:a14="http://schemas.microsoft.com/office/drawing/2010/main" w="9525">
+                <a14:hiddenLine xmlns:a14="http://schemas.microsoft.com/office/drawing/2010/main" xmlns="" w="9525">
                   <a:solidFill>
                     <a:srgbClr val="000000"/>
                   </a:solidFill>
@@ -1117,7 +1118,7 @@
             </a:ln>
             <a:extLst>
               <a:ext uri="{91240B29-F687-4f45-9708-019B960494DF}">
-                <a14:hiddenLine xmlns="" xmlns:a14="http://schemas.microsoft.com/office/drawing/2010/main" w="9525">
+                <a14:hiddenLine xmlns:a14="http://schemas.microsoft.com/office/drawing/2010/main" xmlns="" w="9525">
                   <a:solidFill>
                     <a:srgbClr val="000000"/>
                   </a:solidFill>
@@ -1227,7 +1228,7 @@
             </a:ln>
             <a:extLst>
               <a:ext uri="{91240B29-F687-4f45-9708-019B960494DF}">
-                <a14:hiddenLine xmlns="" xmlns:a14="http://schemas.microsoft.com/office/drawing/2010/main" w="9525">
+                <a14:hiddenLine xmlns:a14="http://schemas.microsoft.com/office/drawing/2010/main" xmlns="" w="9525">
                   <a:solidFill>
                     <a:srgbClr val="000000"/>
                   </a:solidFill>
@@ -1289,7 +1290,7 @@
             </a:ln>
             <a:extLst>
               <a:ext uri="{91240B29-F687-4f45-9708-019B960494DF}">
-                <a14:hiddenLine xmlns="" xmlns:a14="http://schemas.microsoft.com/office/drawing/2010/main" w="9525">
+                <a14:hiddenLine xmlns:a14="http://schemas.microsoft.com/office/drawing/2010/main" xmlns="" w="9525">
                   <a:solidFill>
                     <a:srgbClr val="000000"/>
                   </a:solidFill>
@@ -1379,7 +1380,7 @@
             </a:ln>
             <a:extLst>
               <a:ext uri="{91240B29-F687-4f45-9708-019B960494DF}">
-                <a14:hiddenLine xmlns="" xmlns:a14="http://schemas.microsoft.com/office/drawing/2010/main" w="9525">
+                <a14:hiddenLine xmlns:a14="http://schemas.microsoft.com/office/drawing/2010/main" xmlns="" w="9525">
                   <a:solidFill>
                     <a:srgbClr val="000000"/>
                   </a:solidFill>
@@ -1469,7 +1470,7 @@
             </a:ln>
             <a:extLst>
               <a:ext uri="{91240B29-F687-4f45-9708-019B960494DF}">
-                <a14:hiddenLine xmlns="" xmlns:a14="http://schemas.microsoft.com/office/drawing/2010/main" w="9525">
+                <a14:hiddenLine xmlns:a14="http://schemas.microsoft.com/office/drawing/2010/main" xmlns="" w="9525">
                   <a:solidFill>
                     <a:srgbClr val="000000"/>
                   </a:solidFill>
@@ -1531,7 +1532,7 @@
             </a:ln>
             <a:extLst>
               <a:ext uri="{91240B29-F687-4f45-9708-019B960494DF}">
-                <a14:hiddenLine xmlns="" xmlns:a14="http://schemas.microsoft.com/office/drawing/2010/main" w="9525">
+                <a14:hiddenLine xmlns:a14="http://schemas.microsoft.com/office/drawing/2010/main" xmlns="" w="9525">
                   <a:solidFill>
                     <a:srgbClr val="000000"/>
                   </a:solidFill>
@@ -1621,7 +1622,7 @@
             </a:ln>
             <a:extLst>
               <a:ext uri="{91240B29-F687-4f45-9708-019B960494DF}">
-                <a14:hiddenLine xmlns="" xmlns:a14="http://schemas.microsoft.com/office/drawing/2010/main" w="9525">
+                <a14:hiddenLine xmlns:a14="http://schemas.microsoft.com/office/drawing/2010/main" xmlns="" w="9525">
                   <a:solidFill>
                     <a:srgbClr val="000000"/>
                   </a:solidFill>
@@ -1711,7 +1712,7 @@
             </a:ln>
             <a:extLst>
               <a:ext uri="{91240B29-F687-4f45-9708-019B960494DF}">
-                <a14:hiddenLine xmlns="" xmlns:a14="http://schemas.microsoft.com/office/drawing/2010/main" w="9525">
+                <a14:hiddenLine xmlns:a14="http://schemas.microsoft.com/office/drawing/2010/main" xmlns="" w="9525">
                   <a:solidFill>
                     <a:srgbClr val="000000"/>
                   </a:solidFill>
@@ -1767,7 +1768,7 @@
             </a:ln>
             <a:extLst>
               <a:ext uri="{91240B29-F687-4f45-9708-019B960494DF}">
-                <a14:hiddenLine xmlns="" xmlns:a14="http://schemas.microsoft.com/office/drawing/2010/main" w="9525">
+                <a14:hiddenLine xmlns:a14="http://schemas.microsoft.com/office/drawing/2010/main" xmlns="" w="9525">
                   <a:solidFill>
                     <a:srgbClr val="000000"/>
                   </a:solidFill>
@@ -1857,7 +1858,7 @@
             </a:ln>
             <a:extLst>
               <a:ext uri="{91240B29-F687-4f45-9708-019B960494DF}">
-                <a14:hiddenLine xmlns="" xmlns:a14="http://schemas.microsoft.com/office/drawing/2010/main" w="9525">
+                <a14:hiddenLine xmlns:a14="http://schemas.microsoft.com/office/drawing/2010/main" xmlns="" w="9525">
                   <a:solidFill>
                     <a:srgbClr val="000000"/>
                   </a:solidFill>
@@ -1913,7 +1914,7 @@
             </a:ln>
             <a:extLst>
               <a:ext uri="{91240B29-F687-4f45-9708-019B960494DF}">
-                <a14:hiddenLine xmlns="" xmlns:a14="http://schemas.microsoft.com/office/drawing/2010/main" w="9525">
+                <a14:hiddenLine xmlns:a14="http://schemas.microsoft.com/office/drawing/2010/main" xmlns="" w="9525">
                   <a:solidFill>
                     <a:srgbClr val="000000"/>
                   </a:solidFill>
@@ -2003,7 +2004,7 @@
             </a:ln>
             <a:extLst>
               <a:ext uri="{91240B29-F687-4f45-9708-019B960494DF}">
-                <a14:hiddenLine xmlns="" xmlns:a14="http://schemas.microsoft.com/office/drawing/2010/main" w="9525">
+                <a14:hiddenLine xmlns:a14="http://schemas.microsoft.com/office/drawing/2010/main" xmlns="" w="9525">
                   <a:solidFill>
                     <a:srgbClr val="000000"/>
                   </a:solidFill>
@@ -2071,7 +2072,7 @@
             </a:ln>
             <a:extLst>
               <a:ext uri="{91240B29-F687-4f45-9708-019B960494DF}">
-                <a14:hiddenLine xmlns="" xmlns:a14="http://schemas.microsoft.com/office/drawing/2010/main" w="9525">
+                <a14:hiddenLine xmlns:a14="http://schemas.microsoft.com/office/drawing/2010/main" xmlns="" w="9525">
                   <a:solidFill>
                     <a:srgbClr val="000000"/>
                   </a:solidFill>
@@ -2161,7 +2162,7 @@
             </a:ln>
             <a:extLst>
               <a:ext uri="{91240B29-F687-4f45-9708-019B960494DF}">
-                <a14:hiddenLine xmlns="" xmlns:a14="http://schemas.microsoft.com/office/drawing/2010/main" w="9525">
+                <a14:hiddenLine xmlns:a14="http://schemas.microsoft.com/office/drawing/2010/main" xmlns="" w="9525">
                   <a:solidFill>
                     <a:srgbClr val="000000"/>
                   </a:solidFill>
@@ -2229,7 +2230,7 @@
             </a:ln>
             <a:extLst>
               <a:ext uri="{91240B29-F687-4f45-9708-019B960494DF}">
-                <a14:hiddenLine xmlns="" xmlns:a14="http://schemas.microsoft.com/office/drawing/2010/main" w="9525">
+                <a14:hiddenLine xmlns:a14="http://schemas.microsoft.com/office/drawing/2010/main" xmlns="" w="9525">
                   <a:solidFill>
                     <a:srgbClr val="000000"/>
                   </a:solidFill>
@@ -2319,7 +2320,7 @@
             </a:ln>
             <a:extLst>
               <a:ext uri="{91240B29-F687-4f45-9708-019B960494DF}">
-                <a14:hiddenLine xmlns="" xmlns:a14="http://schemas.microsoft.com/office/drawing/2010/main" w="9525">
+                <a14:hiddenLine xmlns:a14="http://schemas.microsoft.com/office/drawing/2010/main" xmlns="" w="9525">
                   <a:solidFill>
                     <a:srgbClr val="000000"/>
                   </a:solidFill>
@@ -2353,7 +2354,7 @@
             </a:ln>
             <a:extLst>
               <a:ext uri="{91240B29-F687-4f45-9708-019B960494DF}">
-                <a14:hiddenLine xmlns="" xmlns:a14="http://schemas.microsoft.com/office/drawing/2010/main" w="9525">
+                <a14:hiddenLine xmlns:a14="http://schemas.microsoft.com/office/drawing/2010/main" xmlns="" w="9525">
                   <a:solidFill>
                     <a:srgbClr val="000000"/>
                   </a:solidFill>
@@ -2443,7 +2444,7 @@
             </a:ln>
             <a:extLst>
               <a:ext uri="{91240B29-F687-4f45-9708-019B960494DF}">
-                <a14:hiddenLine xmlns="" xmlns:a14="http://schemas.microsoft.com/office/drawing/2010/main" w="9525">
+                <a14:hiddenLine xmlns:a14="http://schemas.microsoft.com/office/drawing/2010/main" xmlns="" w="9525">
                   <a:solidFill>
                     <a:srgbClr val="000000"/>
                   </a:solidFill>
@@ -2505,7 +2506,7 @@
             </a:ln>
             <a:extLst>
               <a:ext uri="{91240B29-F687-4f45-9708-019B960494DF}">
-                <a14:hiddenLine xmlns="" xmlns:a14="http://schemas.microsoft.com/office/drawing/2010/main" w="9525">
+                <a14:hiddenLine xmlns:a14="http://schemas.microsoft.com/office/drawing/2010/main" xmlns="" w="9525">
                   <a:solidFill>
                     <a:srgbClr val="000000"/>
                   </a:solidFill>
@@ -2567,7 +2568,7 @@
             </a:ln>
             <a:extLst>
               <a:ext uri="{91240B29-F687-4f45-9708-019B960494DF}">
-                <a14:hiddenLine xmlns="" xmlns:a14="http://schemas.microsoft.com/office/drawing/2010/main" w="9525">
+                <a14:hiddenLine xmlns:a14="http://schemas.microsoft.com/office/drawing/2010/main" xmlns="" w="9525">
                   <a:solidFill>
                     <a:srgbClr val="000000"/>
                   </a:solidFill>
@@ -2657,7 +2658,7 @@
             </a:ln>
             <a:extLst>
               <a:ext uri="{91240B29-F687-4f45-9708-019B960494DF}">
-                <a14:hiddenLine xmlns="" xmlns:a14="http://schemas.microsoft.com/office/drawing/2010/main" w="9525">
+                <a14:hiddenLine xmlns:a14="http://schemas.microsoft.com/office/drawing/2010/main" xmlns="" w="9525">
                   <a:solidFill>
                     <a:srgbClr val="000000"/>
                   </a:solidFill>
@@ -2725,7 +2726,7 @@
             </a:ln>
             <a:extLst>
               <a:ext uri="{91240B29-F687-4f45-9708-019B960494DF}">
-                <a14:hiddenLine xmlns="" xmlns:a14="http://schemas.microsoft.com/office/drawing/2010/main" w="9525">
+                <a14:hiddenLine xmlns:a14="http://schemas.microsoft.com/office/drawing/2010/main" xmlns="" w="9525">
                   <a:solidFill>
                     <a:srgbClr val="000000"/>
                   </a:solidFill>
@@ -2787,7 +2788,7 @@
             </a:ln>
             <a:extLst>
               <a:ext uri="{91240B29-F687-4f45-9708-019B960494DF}">
-                <a14:hiddenLine xmlns="" xmlns:a14="http://schemas.microsoft.com/office/drawing/2010/main" w="9525">
+                <a14:hiddenLine xmlns:a14="http://schemas.microsoft.com/office/drawing/2010/main" xmlns="" w="9525">
                   <a:solidFill>
                     <a:srgbClr val="000000"/>
                   </a:solidFill>
@@ -2877,7 +2878,7 @@
             </a:ln>
             <a:extLst>
               <a:ext uri="{91240B29-F687-4f45-9708-019B960494DF}">
-                <a14:hiddenLine xmlns="" xmlns:a14="http://schemas.microsoft.com/office/drawing/2010/main" w="9525">
+                <a14:hiddenLine xmlns:a14="http://schemas.microsoft.com/office/drawing/2010/main" xmlns="" w="9525">
                   <a:solidFill>
                     <a:srgbClr val="000000"/>
                   </a:solidFill>
@@ -2939,7 +2940,7 @@
             </a:ln>
             <a:extLst>
               <a:ext uri="{91240B29-F687-4f45-9708-019B960494DF}">
-                <a14:hiddenLine xmlns="" xmlns:a14="http://schemas.microsoft.com/office/drawing/2010/main" w="9525">
+                <a14:hiddenLine xmlns:a14="http://schemas.microsoft.com/office/drawing/2010/main" xmlns="" w="9525">
                   <a:solidFill>
                     <a:srgbClr val="000000"/>
                   </a:solidFill>
@@ -3029,7 +3030,7 @@
             </a:ln>
             <a:extLst>
               <a:ext uri="{91240B29-F687-4f45-9708-019B960494DF}">
-                <a14:hiddenLine xmlns="" xmlns:a14="http://schemas.microsoft.com/office/drawing/2010/main" w="9525">
+                <a14:hiddenLine xmlns:a14="http://schemas.microsoft.com/office/drawing/2010/main" xmlns="" w="9525">
                   <a:solidFill>
                     <a:srgbClr val="000000"/>
                   </a:solidFill>
@@ -3091,7 +3092,7 @@
             </a:ln>
             <a:extLst>
               <a:ext uri="{91240B29-F687-4f45-9708-019B960494DF}">
-                <a14:hiddenLine xmlns="" xmlns:a14="http://schemas.microsoft.com/office/drawing/2010/main" w="9525">
+                <a14:hiddenLine xmlns:a14="http://schemas.microsoft.com/office/drawing/2010/main" xmlns="" w="9525">
                   <a:solidFill>
                     <a:srgbClr val="000000"/>
                   </a:solidFill>
@@ -3181,7 +3182,7 @@
             </a:ln>
             <a:extLst>
               <a:ext uri="{91240B29-F687-4f45-9708-019B960494DF}">
-                <a14:hiddenLine xmlns="" xmlns:a14="http://schemas.microsoft.com/office/drawing/2010/main" w="9525">
+                <a14:hiddenLine xmlns:a14="http://schemas.microsoft.com/office/drawing/2010/main" xmlns="" w="9525">
                   <a:solidFill>
                     <a:srgbClr val="000000"/>
                   </a:solidFill>
@@ -3215,7 +3216,7 @@
             </a:ln>
             <a:extLst>
               <a:ext uri="{91240B29-F687-4f45-9708-019B960494DF}">
-                <a14:hiddenLine xmlns="" xmlns:a14="http://schemas.microsoft.com/office/drawing/2010/main" w="9525">
+                <a14:hiddenLine xmlns:a14="http://schemas.microsoft.com/office/drawing/2010/main" xmlns="" w="9525">
                   <a:solidFill>
                     <a:srgbClr val="000000"/>
                   </a:solidFill>
@@ -3280,7 +3281,7 @@
             </a:ln>
             <a:extLst>
               <a:ext uri="{91240B29-F687-4f45-9708-019B960494DF}">
-                <a14:hiddenLine xmlns="" xmlns:a14="http://schemas.microsoft.com/office/drawing/2010/main" w="9525">
+                <a14:hiddenLine xmlns:a14="http://schemas.microsoft.com/office/drawing/2010/main" xmlns="" w="9525">
                   <a:solidFill>
                     <a:srgbClr val="000000"/>
                   </a:solidFill>
@@ -3370,7 +3371,7 @@
             </a:ln>
             <a:extLst>
               <a:ext uri="{91240B29-F687-4f45-9708-019B960494DF}">
-                <a14:hiddenLine xmlns="" xmlns:a14="http://schemas.microsoft.com/office/drawing/2010/main" w="9525">
+                <a14:hiddenLine xmlns:a14="http://schemas.microsoft.com/office/drawing/2010/main" xmlns="" w="9525">
                   <a:solidFill>
                     <a:srgbClr val="000000"/>
                   </a:solidFill>
@@ -3432,7 +3433,7 @@
             </a:ln>
             <a:extLst>
               <a:ext uri="{91240B29-F687-4f45-9708-019B960494DF}">
-                <a14:hiddenLine xmlns="" xmlns:a14="http://schemas.microsoft.com/office/drawing/2010/main" w="9525">
+                <a14:hiddenLine xmlns:a14="http://schemas.microsoft.com/office/drawing/2010/main" xmlns="" w="9525">
                   <a:solidFill>
                     <a:srgbClr val="000000"/>
                   </a:solidFill>
@@ -3522,7 +3523,7 @@
             </a:ln>
             <a:extLst>
               <a:ext uri="{91240B29-F687-4f45-9708-019B960494DF}">
-                <a14:hiddenLine xmlns="" xmlns:a14="http://schemas.microsoft.com/office/drawing/2010/main" w="9525">
+                <a14:hiddenLine xmlns:a14="http://schemas.microsoft.com/office/drawing/2010/main" xmlns="" w="9525">
                   <a:solidFill>
                     <a:srgbClr val="000000"/>
                   </a:solidFill>
@@ -3612,7 +3613,7 @@
             </a:ln>
             <a:extLst>
               <a:ext uri="{91240B29-F687-4f45-9708-019B960494DF}">
-                <a14:hiddenLine xmlns="" xmlns:a14="http://schemas.microsoft.com/office/drawing/2010/main" w="9525">
+                <a14:hiddenLine xmlns:a14="http://schemas.microsoft.com/office/drawing/2010/main" xmlns="" w="9525">
                   <a:solidFill>
                     <a:srgbClr val="000000"/>
                   </a:solidFill>
@@ -3677,7 +3678,7 @@
             </a:ln>
             <a:extLst>
               <a:ext uri="{91240B29-F687-4f45-9708-019B960494DF}">
-                <a14:hiddenLine xmlns="" xmlns:a14="http://schemas.microsoft.com/office/drawing/2010/main" w="9525">
+                <a14:hiddenLine xmlns:a14="http://schemas.microsoft.com/office/drawing/2010/main" xmlns="" w="9525">
                   <a:solidFill>
                     <a:srgbClr val="000000"/>
                   </a:solidFill>
@@ -3739,7 +3740,7 @@
             </a:ln>
             <a:extLst>
               <a:ext uri="{91240B29-F687-4f45-9708-019B960494DF}">
-                <a14:hiddenLine xmlns="" xmlns:a14="http://schemas.microsoft.com/office/drawing/2010/main" w="9525">
+                <a14:hiddenLine xmlns:a14="http://schemas.microsoft.com/office/drawing/2010/main" xmlns="" w="9525">
                   <a:solidFill>
                     <a:srgbClr val="000000"/>
                   </a:solidFill>
@@ -3829,7 +3830,7 @@
             </a:ln>
             <a:extLst>
               <a:ext uri="{91240B29-F687-4f45-9708-019B960494DF}">
-                <a14:hiddenLine xmlns="" xmlns:a14="http://schemas.microsoft.com/office/drawing/2010/main" w="9525">
+                <a14:hiddenLine xmlns:a14="http://schemas.microsoft.com/office/drawing/2010/main" xmlns="" w="9525">
                   <a:solidFill>
                     <a:srgbClr val="000000"/>
                   </a:solidFill>
@@ -3919,7 +3920,7 @@
             </a:ln>
             <a:extLst>
               <a:ext uri="{91240B29-F687-4f45-9708-019B960494DF}">
-                <a14:hiddenLine xmlns="" xmlns:a14="http://schemas.microsoft.com/office/drawing/2010/main" w="9525">
+                <a14:hiddenLine xmlns:a14="http://schemas.microsoft.com/office/drawing/2010/main" xmlns="" w="9525">
                   <a:solidFill>
                     <a:srgbClr val="000000"/>
                   </a:solidFill>
@@ -3981,7 +3982,7 @@
             </a:ln>
             <a:extLst>
               <a:ext uri="{91240B29-F687-4f45-9708-019B960494DF}">
-                <a14:hiddenLine xmlns="" xmlns:a14="http://schemas.microsoft.com/office/drawing/2010/main" w="9525">
+                <a14:hiddenLine xmlns:a14="http://schemas.microsoft.com/office/drawing/2010/main" xmlns="" w="9525">
                   <a:solidFill>
                     <a:srgbClr val="000000"/>
                   </a:solidFill>
@@ -4101,7 +4102,7 @@
             </a:ln>
             <a:extLst>
               <a:ext uri="{91240B29-F687-4f45-9708-019B960494DF}">
-                <a14:hiddenLine xmlns="" xmlns:a14="http://schemas.microsoft.com/office/drawing/2010/main" w="9525">
+                <a14:hiddenLine xmlns:a14="http://schemas.microsoft.com/office/drawing/2010/main" xmlns="" w="9525">
                   <a:solidFill>
                     <a:srgbClr val="000000"/>
                   </a:solidFill>
@@ -4169,7 +4170,7 @@
             </a:ln>
             <a:extLst>
               <a:ext uri="{91240B29-F687-4f45-9708-019B960494DF}">
-                <a14:hiddenLine xmlns="" xmlns:a14="http://schemas.microsoft.com/office/drawing/2010/main" w="9525">
+                <a14:hiddenLine xmlns:a14="http://schemas.microsoft.com/office/drawing/2010/main" xmlns="" w="9525">
                   <a:solidFill>
                     <a:srgbClr val="000000"/>
                   </a:solidFill>
@@ -4259,7 +4260,7 @@
             </a:ln>
             <a:extLst>
               <a:ext uri="{91240B29-F687-4f45-9708-019B960494DF}">
-                <a14:hiddenLine xmlns="" xmlns:a14="http://schemas.microsoft.com/office/drawing/2010/main" w="9525">
+                <a14:hiddenLine xmlns:a14="http://schemas.microsoft.com/office/drawing/2010/main" xmlns="" w="9525">
                   <a:solidFill>
                     <a:srgbClr val="000000"/>
                   </a:solidFill>
@@ -4399,7 +4400,7 @@
           <a:p>
             <a:fld id="{48A87A34-81AB-432B-8DAE-1953F412C126}" type="datetimeFigureOut">
               <a:rPr lang="en-US" dirty="0"/>
-              <a:t>10/15/2016</a:t>
+              <a:t>10/18/2016</a:t>
             </a:fld>
             <a:endParaRPr lang="en-US" dirty="0"/>
           </a:p>
@@ -4661,7 +4662,7 @@
           <a:p>
             <a:fld id="{48A87A34-81AB-432B-8DAE-1953F412C126}" type="datetimeFigureOut">
               <a:rPr lang="en-US" dirty="0"/>
-              <a:t>10/15/2016</a:t>
+              <a:t>10/18/2016</a:t>
             </a:fld>
             <a:endParaRPr lang="en-US" dirty="0"/>
           </a:p>
@@ -4852,7 +4853,7 @@
           <a:p>
             <a:fld id="{48A87A34-81AB-432B-8DAE-1953F412C126}" type="datetimeFigureOut">
               <a:rPr lang="en-US" dirty="0"/>
-              <a:t>10/15/2016</a:t>
+              <a:t>10/18/2016</a:t>
             </a:fld>
             <a:endParaRPr lang="en-US" dirty="0"/>
           </a:p>
@@ -5110,7 +5111,7 @@
           <a:p>
             <a:fld id="{48A87A34-81AB-432B-8DAE-1953F412C126}" type="datetimeFigureOut">
               <a:rPr lang="en-US" dirty="0"/>
-              <a:t>10/15/2016</a:t>
+              <a:t>10/18/2016</a:t>
             </a:fld>
             <a:endParaRPr lang="en-US" dirty="0"/>
           </a:p>
@@ -5539,7 +5540,7 @@
           <a:p>
             <a:fld id="{48A87A34-81AB-432B-8DAE-1953F412C126}" type="datetimeFigureOut">
               <a:rPr lang="en-US" dirty="0"/>
-              <a:t>10/15/2016</a:t>
+              <a:t>10/18/2016</a:t>
             </a:fld>
             <a:endParaRPr lang="en-US" dirty="0"/>
           </a:p>
@@ -6080,7 +6081,7 @@
           <a:p>
             <a:fld id="{48A87A34-81AB-432B-8DAE-1953F412C126}" type="datetimeFigureOut">
               <a:rPr lang="en-US" dirty="0"/>
-              <a:t>10/15/2016</a:t>
+              <a:t>10/18/2016</a:t>
             </a:fld>
             <a:endParaRPr lang="en-US" dirty="0"/>
           </a:p>
@@ -6795,7 +6796,7 @@
           <a:p>
             <a:fld id="{48A87A34-81AB-432B-8DAE-1953F412C126}" type="datetimeFigureOut">
               <a:rPr lang="en-US" dirty="0"/>
-              <a:t>10/15/2016</a:t>
+              <a:t>10/18/2016</a:t>
             </a:fld>
             <a:endParaRPr lang="en-US" dirty="0"/>
           </a:p>
@@ -6960,7 +6961,7 @@
           <a:p>
             <a:fld id="{48A87A34-81AB-432B-8DAE-1953F412C126}" type="datetimeFigureOut">
               <a:rPr lang="en-US" dirty="0"/>
-              <a:t>10/15/2016</a:t>
+              <a:t>10/18/2016</a:t>
             </a:fld>
             <a:endParaRPr lang="en-US" dirty="0"/>
           </a:p>
@@ -7135,7 +7136,7 @@
           <a:p>
             <a:fld id="{48A87A34-81AB-432B-8DAE-1953F412C126}" type="datetimeFigureOut">
               <a:rPr lang="en-US" dirty="0"/>
-              <a:t>10/15/2016</a:t>
+              <a:t>10/18/2016</a:t>
             </a:fld>
             <a:endParaRPr lang="en-US" dirty="0"/>
           </a:p>
@@ -7300,7 +7301,7 @@
           <a:p>
             <a:fld id="{48A87A34-81AB-432B-8DAE-1953F412C126}" type="datetimeFigureOut">
               <a:rPr lang="en-US" dirty="0"/>
-              <a:t>10/15/2016</a:t>
+              <a:t>10/18/2016</a:t>
             </a:fld>
             <a:endParaRPr lang="en-US" dirty="0"/>
           </a:p>
@@ -7545,7 +7546,7 @@
           <a:p>
             <a:fld id="{48A87A34-81AB-432B-8DAE-1953F412C126}" type="datetimeFigureOut">
               <a:rPr lang="en-US" dirty="0"/>
-              <a:t>10/15/2016</a:t>
+              <a:t>10/18/2016</a:t>
             </a:fld>
             <a:endParaRPr lang="en-US" dirty="0"/>
           </a:p>
@@ -7772,7 +7773,7 @@
           <a:p>
             <a:fld id="{48A87A34-81AB-432B-8DAE-1953F412C126}" type="datetimeFigureOut">
               <a:rPr lang="en-US" dirty="0"/>
-              <a:t>10/15/2016</a:t>
+              <a:t>10/18/2016</a:t>
             </a:fld>
             <a:endParaRPr lang="en-US" dirty="0"/>
           </a:p>
@@ -8148,7 +8149,7 @@
           <a:p>
             <a:fld id="{48A87A34-81AB-432B-8DAE-1953F412C126}" type="datetimeFigureOut">
               <a:rPr lang="en-US" dirty="0"/>
-              <a:t>10/15/2016</a:t>
+              <a:t>10/18/2016</a:t>
             </a:fld>
             <a:endParaRPr lang="en-US" dirty="0"/>
           </a:p>
@@ -8261,7 +8262,7 @@
           <a:p>
             <a:fld id="{48A87A34-81AB-432B-8DAE-1953F412C126}" type="datetimeFigureOut">
               <a:rPr lang="en-US" dirty="0"/>
-              <a:t>10/15/2016</a:t>
+              <a:t>10/18/2016</a:t>
             </a:fld>
             <a:endParaRPr lang="en-US" dirty="0"/>
           </a:p>
@@ -8351,7 +8352,7 @@
           <a:p>
             <a:fld id="{48A87A34-81AB-432B-8DAE-1953F412C126}" type="datetimeFigureOut">
               <a:rPr lang="en-US" dirty="0"/>
-              <a:t>10/15/2016</a:t>
+              <a:t>10/18/2016</a:t>
             </a:fld>
             <a:endParaRPr lang="en-US" dirty="0"/>
           </a:p>
@@ -8595,7 +8596,7 @@
           <a:p>
             <a:fld id="{48A87A34-81AB-432B-8DAE-1953F412C126}" type="datetimeFigureOut">
               <a:rPr lang="en-US" dirty="0"/>
-              <a:t>10/15/2016</a:t>
+              <a:t>10/18/2016</a:t>
             </a:fld>
             <a:endParaRPr lang="en-US" dirty="0"/>
           </a:p>
@@ -8870,7 +8871,7 @@
           <a:p>
             <a:fld id="{48A87A34-81AB-432B-8DAE-1953F412C126}" type="datetimeFigureOut">
               <a:rPr lang="en-US" dirty="0"/>
-              <a:t>10/15/2016</a:t>
+              <a:t>10/18/2016</a:t>
             </a:fld>
             <a:endParaRPr lang="en-US" dirty="0"/>
           </a:p>
@@ -8988,7 +8989,7 @@
           <a:noFill/>
           <a:extLst>
             <a:ext uri="{909E8E84-426E-40dd-AFC4-6F175D3DCCD1}">
-              <a14:hiddenFill xmlns="" xmlns:a14="http://schemas.microsoft.com/office/drawing/2010/main">
+              <a14:hiddenFill xmlns:a14="http://schemas.microsoft.com/office/drawing/2010/main" xmlns="">
                 <a:solidFill>
                   <a:srgbClr val="FFFFFF"/>
                 </a:solidFill>
@@ -9062,7 +9063,7 @@
               </a:ln>
               <a:extLst>
                 <a:ext uri="{91240B29-F687-4f45-9708-019B960494DF}">
-                  <a14:hiddenLine xmlns="" xmlns:a14="http://schemas.microsoft.com/office/drawing/2010/main" w="9525">
+                  <a14:hiddenLine xmlns:a14="http://schemas.microsoft.com/office/drawing/2010/main" xmlns="" w="9525">
                     <a:solidFill>
                       <a:srgbClr val="000000"/>
                     </a:solidFill>
@@ -9152,7 +9153,7 @@
               </a:ln>
               <a:extLst>
                 <a:ext uri="{91240B29-F687-4f45-9708-019B960494DF}">
-                  <a14:hiddenLine xmlns="" xmlns:a14="http://schemas.microsoft.com/office/drawing/2010/main" w="9525">
+                  <a14:hiddenLine xmlns:a14="http://schemas.microsoft.com/office/drawing/2010/main" xmlns="" w="9525">
                     <a:solidFill>
                       <a:srgbClr val="000000"/>
                     </a:solidFill>
@@ -9242,7 +9243,7 @@
               </a:ln>
               <a:extLst>
                 <a:ext uri="{91240B29-F687-4f45-9708-019B960494DF}">
-                  <a14:hiddenLine xmlns="" xmlns:a14="http://schemas.microsoft.com/office/drawing/2010/main" w="9525">
+                  <a14:hiddenLine xmlns:a14="http://schemas.microsoft.com/office/drawing/2010/main" xmlns="" w="9525">
                     <a:solidFill>
                       <a:srgbClr val="000000"/>
                     </a:solidFill>
@@ -9304,7 +9305,7 @@
               </a:ln>
               <a:extLst>
                 <a:ext uri="{91240B29-F687-4f45-9708-019B960494DF}">
-                  <a14:hiddenLine xmlns="" xmlns:a14="http://schemas.microsoft.com/office/drawing/2010/main" w="9525">
+                  <a14:hiddenLine xmlns:a14="http://schemas.microsoft.com/office/drawing/2010/main" xmlns="" w="9525">
                     <a:solidFill>
                       <a:srgbClr val="000000"/>
                     </a:solidFill>
@@ -9394,7 +9395,7 @@
               </a:ln>
               <a:extLst>
                 <a:ext uri="{91240B29-F687-4f45-9708-019B960494DF}">
-                  <a14:hiddenLine xmlns="" xmlns:a14="http://schemas.microsoft.com/office/drawing/2010/main" w="9525">
+                  <a14:hiddenLine xmlns:a14="http://schemas.microsoft.com/office/drawing/2010/main" xmlns="" w="9525">
                     <a:solidFill>
                       <a:srgbClr val="000000"/>
                     </a:solidFill>
@@ -9456,7 +9457,7 @@
               </a:ln>
               <a:extLst>
                 <a:ext uri="{91240B29-F687-4f45-9708-019B960494DF}">
-                  <a14:hiddenLine xmlns="" xmlns:a14="http://schemas.microsoft.com/office/drawing/2010/main" w="9525">
+                  <a14:hiddenLine xmlns:a14="http://schemas.microsoft.com/office/drawing/2010/main" xmlns="" w="9525">
                     <a:solidFill>
                       <a:srgbClr val="000000"/>
                     </a:solidFill>
@@ -9518,7 +9519,7 @@
               </a:ln>
               <a:extLst>
                 <a:ext uri="{91240B29-F687-4f45-9708-019B960494DF}">
-                  <a14:hiddenLine xmlns="" xmlns:a14="http://schemas.microsoft.com/office/drawing/2010/main" w="9525">
+                  <a14:hiddenLine xmlns:a14="http://schemas.microsoft.com/office/drawing/2010/main" xmlns="" w="9525">
                     <a:solidFill>
                       <a:srgbClr val="000000"/>
                     </a:solidFill>
@@ -9608,7 +9609,7 @@
               </a:ln>
               <a:extLst>
                 <a:ext uri="{91240B29-F687-4f45-9708-019B960494DF}">
-                  <a14:hiddenLine xmlns="" xmlns:a14="http://schemas.microsoft.com/office/drawing/2010/main" w="9525">
+                  <a14:hiddenLine xmlns:a14="http://schemas.microsoft.com/office/drawing/2010/main" xmlns="" w="9525">
                     <a:solidFill>
                       <a:srgbClr val="000000"/>
                     </a:solidFill>
@@ -9698,7 +9699,7 @@
               </a:ln>
               <a:extLst>
                 <a:ext uri="{91240B29-F687-4f45-9708-019B960494DF}">
-                  <a14:hiddenLine xmlns="" xmlns:a14="http://schemas.microsoft.com/office/drawing/2010/main" w="9525">
+                  <a14:hiddenLine xmlns:a14="http://schemas.microsoft.com/office/drawing/2010/main" xmlns="" w="9525">
                     <a:solidFill>
                       <a:srgbClr val="000000"/>
                     </a:solidFill>
@@ -9760,7 +9761,7 @@
               </a:ln>
               <a:extLst>
                 <a:ext uri="{91240B29-F687-4f45-9708-019B960494DF}">
-                  <a14:hiddenLine xmlns="" xmlns:a14="http://schemas.microsoft.com/office/drawing/2010/main" w="9525">
+                  <a14:hiddenLine xmlns:a14="http://schemas.microsoft.com/office/drawing/2010/main" xmlns="" w="9525">
                     <a:solidFill>
                       <a:srgbClr val="000000"/>
                     </a:solidFill>
@@ -9870,7 +9871,7 @@
               </a:ln>
               <a:extLst>
                 <a:ext uri="{91240B29-F687-4f45-9708-019B960494DF}">
-                  <a14:hiddenLine xmlns="" xmlns:a14="http://schemas.microsoft.com/office/drawing/2010/main" w="9525">
+                  <a14:hiddenLine xmlns:a14="http://schemas.microsoft.com/office/drawing/2010/main" xmlns="" w="9525">
                     <a:solidFill>
                       <a:srgbClr val="000000"/>
                     </a:solidFill>
@@ -9954,7 +9955,7 @@
               </a:ln>
               <a:extLst>
                 <a:ext uri="{91240B29-F687-4f45-9708-019B960494DF}">
-                  <a14:hiddenLine xmlns="" xmlns:a14="http://schemas.microsoft.com/office/drawing/2010/main" w="9525">
+                  <a14:hiddenLine xmlns:a14="http://schemas.microsoft.com/office/drawing/2010/main" xmlns="" w="9525">
                     <a:solidFill>
                       <a:srgbClr val="000000"/>
                     </a:solidFill>
@@ -10016,7 +10017,7 @@
               </a:ln>
               <a:extLst>
                 <a:ext uri="{91240B29-F687-4f45-9708-019B960494DF}">
-                  <a14:hiddenLine xmlns="" xmlns:a14="http://schemas.microsoft.com/office/drawing/2010/main" w="9525">
+                  <a14:hiddenLine xmlns:a14="http://schemas.microsoft.com/office/drawing/2010/main" xmlns="" w="9525">
                     <a:solidFill>
                       <a:srgbClr val="000000"/>
                     </a:solidFill>
@@ -10078,7 +10079,7 @@
               </a:ln>
               <a:extLst>
                 <a:ext uri="{91240B29-F687-4f45-9708-019B960494DF}">
-                  <a14:hiddenLine xmlns="" xmlns:a14="http://schemas.microsoft.com/office/drawing/2010/main" w="9525">
+                  <a14:hiddenLine xmlns:a14="http://schemas.microsoft.com/office/drawing/2010/main" xmlns="" w="9525">
                     <a:solidFill>
                       <a:srgbClr val="000000"/>
                     </a:solidFill>
@@ -10168,7 +10169,7 @@
               </a:ln>
               <a:extLst>
                 <a:ext uri="{91240B29-F687-4f45-9708-019B960494DF}">
-                  <a14:hiddenLine xmlns="" xmlns:a14="http://schemas.microsoft.com/office/drawing/2010/main" w="9525">
+                  <a14:hiddenLine xmlns:a14="http://schemas.microsoft.com/office/drawing/2010/main" xmlns="" w="9525">
                     <a:solidFill>
                       <a:srgbClr val="000000"/>
                     </a:solidFill>
@@ -10202,7 +10203,7 @@
               </a:ln>
               <a:extLst>
                 <a:ext uri="{91240B29-F687-4f45-9708-019B960494DF}">
-                  <a14:hiddenLine xmlns="" xmlns:a14="http://schemas.microsoft.com/office/drawing/2010/main" w="9525">
+                  <a14:hiddenLine xmlns:a14="http://schemas.microsoft.com/office/drawing/2010/main" xmlns="" w="9525">
                     <a:solidFill>
                       <a:srgbClr val="000000"/>
                     </a:solidFill>
@@ -10267,7 +10268,7 @@
               </a:ln>
               <a:extLst>
                 <a:ext uri="{91240B29-F687-4f45-9708-019B960494DF}">
-                  <a14:hiddenLine xmlns="" xmlns:a14="http://schemas.microsoft.com/office/drawing/2010/main" w="9525">
+                  <a14:hiddenLine xmlns:a14="http://schemas.microsoft.com/office/drawing/2010/main" xmlns="" w="9525">
                     <a:solidFill>
                       <a:srgbClr val="000000"/>
                     </a:solidFill>
@@ -10357,7 +10358,7 @@
               </a:ln>
               <a:extLst>
                 <a:ext uri="{91240B29-F687-4f45-9708-019B960494DF}">
-                  <a14:hiddenLine xmlns="" xmlns:a14="http://schemas.microsoft.com/office/drawing/2010/main" w="9525">
+                  <a14:hiddenLine xmlns:a14="http://schemas.microsoft.com/office/drawing/2010/main" xmlns="" w="9525">
                     <a:solidFill>
                       <a:srgbClr val="000000"/>
                     </a:solidFill>
@@ -10419,7 +10420,7 @@
               </a:ln>
               <a:extLst>
                 <a:ext uri="{91240B29-F687-4f45-9708-019B960494DF}">
-                  <a14:hiddenLine xmlns="" xmlns:a14="http://schemas.microsoft.com/office/drawing/2010/main" w="9525">
+                  <a14:hiddenLine xmlns:a14="http://schemas.microsoft.com/office/drawing/2010/main" xmlns="" w="9525">
                     <a:solidFill>
                       <a:srgbClr val="000000"/>
                     </a:solidFill>
@@ -10509,7 +10510,7 @@
               </a:ln>
               <a:extLst>
                 <a:ext uri="{91240B29-F687-4f45-9708-019B960494DF}">
-                  <a14:hiddenLine xmlns="" xmlns:a14="http://schemas.microsoft.com/office/drawing/2010/main" w="9525">
+                  <a14:hiddenLine xmlns:a14="http://schemas.microsoft.com/office/drawing/2010/main" xmlns="" w="9525">
                     <a:solidFill>
                       <a:srgbClr val="000000"/>
                     </a:solidFill>
@@ -10574,7 +10575,7 @@
               </a:ln>
               <a:extLst>
                 <a:ext uri="{91240B29-F687-4f45-9708-019B960494DF}">
-                  <a14:hiddenLine xmlns="" xmlns:a14="http://schemas.microsoft.com/office/drawing/2010/main" w="9525">
+                  <a14:hiddenLine xmlns:a14="http://schemas.microsoft.com/office/drawing/2010/main" xmlns="" w="9525">
                     <a:solidFill>
                       <a:srgbClr val="000000"/>
                     </a:solidFill>
@@ -10636,7 +10637,7 @@
               </a:ln>
               <a:extLst>
                 <a:ext uri="{91240B29-F687-4f45-9708-019B960494DF}">
-                  <a14:hiddenLine xmlns="" xmlns:a14="http://schemas.microsoft.com/office/drawing/2010/main" w="9525">
+                  <a14:hiddenLine xmlns:a14="http://schemas.microsoft.com/office/drawing/2010/main" xmlns="" w="9525">
                     <a:solidFill>
                       <a:srgbClr val="000000"/>
                     </a:solidFill>
@@ -10726,7 +10727,7 @@
               </a:ln>
               <a:extLst>
                 <a:ext uri="{91240B29-F687-4f45-9708-019B960494DF}">
-                  <a14:hiddenLine xmlns="" xmlns:a14="http://schemas.microsoft.com/office/drawing/2010/main" w="9525">
+                  <a14:hiddenLine xmlns:a14="http://schemas.microsoft.com/office/drawing/2010/main" xmlns="" w="9525">
                     <a:solidFill>
                       <a:srgbClr val="000000"/>
                     </a:solidFill>
@@ -10816,7 +10817,7 @@
               </a:ln>
               <a:extLst>
                 <a:ext uri="{91240B29-F687-4f45-9708-019B960494DF}">
-                  <a14:hiddenLine xmlns="" xmlns:a14="http://schemas.microsoft.com/office/drawing/2010/main" w="9525">
+                  <a14:hiddenLine xmlns:a14="http://schemas.microsoft.com/office/drawing/2010/main" xmlns="" w="9525">
                     <a:solidFill>
                       <a:srgbClr val="000000"/>
                     </a:solidFill>
@@ -10881,7 +10882,7 @@
               </a:ln>
               <a:extLst>
                 <a:ext uri="{91240B29-F687-4f45-9708-019B960494DF}">
-                  <a14:hiddenLine xmlns="" xmlns:a14="http://schemas.microsoft.com/office/drawing/2010/main" w="9525">
+                  <a14:hiddenLine xmlns:a14="http://schemas.microsoft.com/office/drawing/2010/main" xmlns="" w="9525">
                     <a:solidFill>
                       <a:srgbClr val="000000"/>
                     </a:solidFill>
@@ -11001,7 +11002,7 @@
               </a:ln>
               <a:extLst>
                 <a:ext uri="{91240B29-F687-4f45-9708-019B960494DF}">
-                  <a14:hiddenLine xmlns="" xmlns:a14="http://schemas.microsoft.com/office/drawing/2010/main" w="9525">
+                  <a14:hiddenLine xmlns:a14="http://schemas.microsoft.com/office/drawing/2010/main" xmlns="" w="9525">
                     <a:solidFill>
                       <a:srgbClr val="000000"/>
                     </a:solidFill>
@@ -11082,7 +11083,7 @@
               </a:ln>
               <a:extLst>
                 <a:ext uri="{91240B29-F687-4f45-9708-019B960494DF}">
-                  <a14:hiddenLine xmlns="" xmlns:a14="http://schemas.microsoft.com/office/drawing/2010/main" w="9525">
+                  <a14:hiddenLine xmlns:a14="http://schemas.microsoft.com/office/drawing/2010/main" xmlns="" w="9525">
                     <a:solidFill>
                       <a:srgbClr val="000000"/>
                     </a:solidFill>
@@ -11197,7 +11198,7 @@
               </a:ln>
               <a:extLst>
                 <a:ext uri="{91240B29-F687-4f45-9708-019B960494DF}">
-                  <a14:hiddenLine xmlns="" xmlns:a14="http://schemas.microsoft.com/office/drawing/2010/main" w="9525">
+                  <a14:hiddenLine xmlns:a14="http://schemas.microsoft.com/office/drawing/2010/main" xmlns="" w="9525">
                     <a:solidFill>
                       <a:srgbClr val="000000"/>
                     </a:solidFill>
@@ -11287,7 +11288,7 @@
               </a:ln>
               <a:extLst>
                 <a:ext uri="{91240B29-F687-4f45-9708-019B960494DF}">
-                  <a14:hiddenLine xmlns="" xmlns:a14="http://schemas.microsoft.com/office/drawing/2010/main" w="9525">
+                  <a14:hiddenLine xmlns:a14="http://schemas.microsoft.com/office/drawing/2010/main" xmlns="" w="9525">
                     <a:solidFill>
                       <a:srgbClr val="000000"/>
                     </a:solidFill>
@@ -11352,7 +11353,7 @@
               </a:ln>
               <a:extLst>
                 <a:ext uri="{91240B29-F687-4f45-9708-019B960494DF}">
-                  <a14:hiddenLine xmlns="" xmlns:a14="http://schemas.microsoft.com/office/drawing/2010/main" w="9525">
+                  <a14:hiddenLine xmlns:a14="http://schemas.microsoft.com/office/drawing/2010/main" xmlns="" w="9525">
                     <a:solidFill>
                       <a:srgbClr val="000000"/>
                     </a:solidFill>
@@ -11442,7 +11443,7 @@
               </a:ln>
               <a:extLst>
                 <a:ext uri="{91240B29-F687-4f45-9708-019B960494DF}">
-                  <a14:hiddenLine xmlns="" xmlns:a14="http://schemas.microsoft.com/office/drawing/2010/main" w="9525">
+                  <a14:hiddenLine xmlns:a14="http://schemas.microsoft.com/office/drawing/2010/main" xmlns="" w="9525">
                     <a:solidFill>
                       <a:srgbClr val="000000"/>
                     </a:solidFill>
@@ -11510,7 +11511,7 @@
               </a:ln>
               <a:extLst>
                 <a:ext uri="{91240B29-F687-4f45-9708-019B960494DF}">
-                  <a14:hiddenLine xmlns="" xmlns:a14="http://schemas.microsoft.com/office/drawing/2010/main" w="9525">
+                  <a14:hiddenLine xmlns:a14="http://schemas.microsoft.com/office/drawing/2010/main" xmlns="" w="9525">
                     <a:solidFill>
                       <a:srgbClr val="000000"/>
                     </a:solidFill>
@@ -11600,7 +11601,7 @@
               </a:ln>
               <a:extLst>
                 <a:ext uri="{91240B29-F687-4f45-9708-019B960494DF}">
-                  <a14:hiddenLine xmlns="" xmlns:a14="http://schemas.microsoft.com/office/drawing/2010/main" w="9525">
+                  <a14:hiddenLine xmlns:a14="http://schemas.microsoft.com/office/drawing/2010/main" xmlns="" w="9525">
                     <a:solidFill>
                       <a:srgbClr val="000000"/>
                     </a:solidFill>
@@ -11668,7 +11669,7 @@
               </a:ln>
               <a:extLst>
                 <a:ext uri="{91240B29-F687-4f45-9708-019B960494DF}">
-                  <a14:hiddenLine xmlns="" xmlns:a14="http://schemas.microsoft.com/office/drawing/2010/main" w="9525">
+                  <a14:hiddenLine xmlns:a14="http://schemas.microsoft.com/office/drawing/2010/main" xmlns="" w="9525">
                     <a:solidFill>
                       <a:srgbClr val="000000"/>
                     </a:solidFill>
@@ -11758,7 +11759,7 @@
               </a:ln>
               <a:extLst>
                 <a:ext uri="{91240B29-F687-4f45-9708-019B960494DF}">
-                  <a14:hiddenLine xmlns="" xmlns:a14="http://schemas.microsoft.com/office/drawing/2010/main" w="9525">
+                  <a14:hiddenLine xmlns:a14="http://schemas.microsoft.com/office/drawing/2010/main" xmlns="" w="9525">
                     <a:solidFill>
                       <a:srgbClr val="000000"/>
                     </a:solidFill>
@@ -11792,7 +11793,7 @@
               </a:ln>
               <a:extLst>
                 <a:ext uri="{91240B29-F687-4f45-9708-019B960494DF}">
-                  <a14:hiddenLine xmlns="" xmlns:a14="http://schemas.microsoft.com/office/drawing/2010/main" w="9525">
+                  <a14:hiddenLine xmlns:a14="http://schemas.microsoft.com/office/drawing/2010/main" xmlns="" w="9525">
                     <a:solidFill>
                       <a:srgbClr val="000000"/>
                     </a:solidFill>
@@ -11933,7 +11934,7 @@
             <a:fld id="{48A87A34-81AB-432B-8DAE-1953F412C126}" type="datetimeFigureOut">
               <a:rPr lang="en-US" dirty="0"/>
               <a:pPr/>
-              <a:t>10/15/2016</a:t>
+              <a:t>10/18/2016</a:t>
             </a:fld>
             <a:endParaRPr lang="en-US" dirty="0"/>
           </a:p>
@@ -12500,6 +12501,10 @@
           <a:bodyPr/>
           <a:lstStyle/>
           <a:p>
+            <a:r>
+              <a:rPr lang="en-GB" dirty="0" smtClean="0"/>
+              <a:t>After being thrown back in time after reading a book, Lily must uncover the research notes of Da Vinci’ time machine to get back into the present day.</a:t>
+            </a:r>
             <a:endParaRPr lang="en-GB" dirty="0" smtClean="0"/>
           </a:p>
         </p:txBody>
@@ -12960,9 +12965,27 @@
                 <a:tableStyleId>{5C22544A-7EE6-4342-B048-85BDC9FD1C3A}</a:tableStyleId>
               </a:tblPr>
               <a:tblGrid>
-                <a:gridCol w="2919606"/>
-                <a:gridCol w="2919606"/>
-                <a:gridCol w="2919606"/>
+                <a:gridCol w="2919606">
+                  <a:extLst>
+                    <a:ext uri="{9D8B030D-6E8A-4147-A177-3AD203B41FA5}">
+                      <a16:colId xmlns:a16="http://schemas.microsoft.com/office/drawing/2014/main" val="20000"/>
+                    </a:ext>
+                  </a:extLst>
+                </a:gridCol>
+                <a:gridCol w="2919606">
+                  <a:extLst>
+                    <a:ext uri="{9D8B030D-6E8A-4147-A177-3AD203B41FA5}">
+                      <a16:colId xmlns:a16="http://schemas.microsoft.com/office/drawing/2014/main" val="20001"/>
+                    </a:ext>
+                  </a:extLst>
+                </a:gridCol>
+                <a:gridCol w="2919606">
+                  <a:extLst>
+                    <a:ext uri="{9D8B030D-6E8A-4147-A177-3AD203B41FA5}">
+                      <a16:colId xmlns:a16="http://schemas.microsoft.com/office/drawing/2014/main" val="20002"/>
+                    </a:ext>
+                  </a:extLst>
+                </a:gridCol>
               </a:tblGrid>
               <a:tr h="439849">
                 <a:tc>
@@ -13007,6 +13030,11 @@
                   </a:txBody>
                   <a:tcPr/>
                 </a:tc>
+                <a:extLst>
+                  <a:ext uri="{0D108BD9-81ED-4DB2-BD59-A6C34878D82A}">
+                    <a16:rowId xmlns:a16="http://schemas.microsoft.com/office/drawing/2014/main" val="10000"/>
+                  </a:ext>
+                </a:extLst>
               </a:tr>
               <a:tr h="439849">
                 <a:tc>
@@ -13055,6 +13083,11 @@
                   </a:txBody>
                   <a:tcPr/>
                 </a:tc>
+                <a:extLst>
+                  <a:ext uri="{0D108BD9-81ED-4DB2-BD59-A6C34878D82A}">
+                    <a16:rowId xmlns:a16="http://schemas.microsoft.com/office/drawing/2014/main" val="10001"/>
+                  </a:ext>
+                </a:extLst>
               </a:tr>
               <a:tr h="439849">
                 <a:tc>
@@ -13103,6 +13136,11 @@
                   </a:txBody>
                   <a:tcPr/>
                 </a:tc>
+                <a:extLst>
+                  <a:ext uri="{0D108BD9-81ED-4DB2-BD59-A6C34878D82A}">
+                    <a16:rowId xmlns:a16="http://schemas.microsoft.com/office/drawing/2014/main" val="10002"/>
+                  </a:ext>
+                </a:extLst>
               </a:tr>
               <a:tr h="439849">
                 <a:tc>
@@ -13147,6 +13185,11 @@
                   </a:txBody>
                   <a:tcPr/>
                 </a:tc>
+                <a:extLst>
+                  <a:ext uri="{0D108BD9-81ED-4DB2-BD59-A6C34878D82A}">
+                    <a16:rowId xmlns:a16="http://schemas.microsoft.com/office/drawing/2014/main" val="10003"/>
+                  </a:ext>
+                </a:extLst>
               </a:tr>
               <a:tr h="439849">
                 <a:tc>
@@ -13183,6 +13226,11 @@
                   </a:txBody>
                   <a:tcPr/>
                 </a:tc>
+                <a:extLst>
+                  <a:ext uri="{0D108BD9-81ED-4DB2-BD59-A6C34878D82A}">
+                    <a16:rowId xmlns:a16="http://schemas.microsoft.com/office/drawing/2014/main" val="10004"/>
+                  </a:ext>
+                </a:extLst>
               </a:tr>
             </a:tbl>
           </a:graphicData>
@@ -13228,6 +13276,64 @@
     <p:extLst>
       <p:ext uri="{BB962C8B-B14F-4D97-AF65-F5344CB8AC3E}">
         <p14:creationId xmlns:p14="http://schemas.microsoft.com/office/powerpoint/2010/main" val="3168928715"/>
+      </p:ext>
+    </p:extLst>
+  </p:cSld>
+  <p:clrMapOvr>
+    <a:masterClrMapping/>
+  </p:clrMapOvr>
+</p:sld>
+</file>
+
+<file path=ppt/slides/slide7.xml><?xml version="1.0" encoding="utf-8"?>
+<p:sld xmlns:a="http://schemas.openxmlformats.org/drawingml/2006/main" xmlns:r="http://schemas.openxmlformats.org/officeDocument/2006/relationships" xmlns:p="http://schemas.openxmlformats.org/presentationml/2006/main">
+  <p:cSld>
+    <p:spTree>
+      <p:nvGrpSpPr>
+        <p:cNvPr id="1" name=""/>
+        <p:cNvGrpSpPr/>
+        <p:nvPr/>
+      </p:nvGrpSpPr>
+      <p:grpSpPr>
+        <a:xfrm>
+          <a:off x="0" y="0"/>
+          <a:ext cx="0" cy="0"/>
+          <a:chOff x="0" y="0"/>
+          <a:chExt cx="0" cy="0"/>
+        </a:xfrm>
+      </p:grpSpPr>
+      <p:sp>
+        <p:nvSpPr>
+          <p:cNvPr id="2" name="Title 1"/>
+          <p:cNvSpPr>
+            <a:spLocks noGrp="1"/>
+          </p:cNvSpPr>
+          <p:nvPr>
+            <p:ph type="title"/>
+          </p:nvPr>
+        </p:nvSpPr>
+        <p:spPr>
+          <a:xfrm>
+            <a:off x="4435119" y="2249487"/>
+            <a:ext cx="9905998" cy="1478570"/>
+          </a:xfrm>
+        </p:spPr>
+        <p:txBody>
+          <a:bodyPr/>
+          <a:lstStyle/>
+          <a:p>
+            <a:r>
+              <a:rPr lang="en-GB" dirty="0" smtClean="0"/>
+              <a:t>Questions?</a:t>
+            </a:r>
+            <a:endParaRPr lang="en-GB" dirty="0"/>
+          </a:p>
+        </p:txBody>
+      </p:sp>
+    </p:spTree>
+    <p:extLst>
+      <p:ext uri="{BB962C8B-B14F-4D97-AF65-F5344CB8AC3E}">
+        <p14:creationId xmlns:p14="http://schemas.microsoft.com/office/powerpoint/2010/main" val="1744792610"/>
       </p:ext>
     </p:extLst>
   </p:cSld>
